--- a/Reinforcement_Learning/周日讨论班.pptx
+++ b/Reinforcement_Learning/周日讨论班.pptx
@@ -107,6 +107,11 @@
       </a:defRPr>
     </a:lvl9pPr>
   </p:defaultTextStyle>
+  <p:extLst>
+    <p:ext uri="{EFAFB233-063F-42B5-8137-9DF3F51BA10A}">
+      <p15:sldGuideLst xmlns:p15="http://schemas.microsoft.com/office/powerpoint/2012/main"/>
+    </p:ext>
+  </p:extLst>
 </p:presentation>
 </file>
 
@@ -152,10 +157,9 @@
           </a:lstStyle>
           <a:p>
             <a:r>
-              <a:rPr lang="zh-CN" altLang="en-US" smtClean="0"/>
+              <a:rPr lang="zh-CN" altLang="en-US"/>
               <a:t>单击此处编辑母版标题样式</a:t>
             </a:r>
-            <a:endParaRPr lang="zh-CN" altLang="en-US"/>
           </a:p>
         </p:txBody>
       </p:sp>
@@ -217,10 +221,9 @@
           </a:lstStyle>
           <a:p>
             <a:r>
-              <a:rPr lang="zh-CN" altLang="en-US" smtClean="0"/>
+              <a:rPr lang="zh-CN" altLang="en-US"/>
               <a:t>单击此处编辑母版副标题样式</a:t>
             </a:r>
-            <a:endParaRPr lang="zh-CN" altLang="en-US"/>
           </a:p>
         </p:txBody>
       </p:sp>
@@ -241,7 +244,7 @@
           <a:p>
             <a:fld id="{86381CE1-67E0-431E-81A3-9642A9A14C73}" type="datetimeFigureOut">
               <a:rPr lang="zh-CN" altLang="en-US" smtClean="0"/>
-              <a:t>2021/11/26</a:t>
+              <a:t>2021/12/8</a:t>
             </a:fld>
             <a:endParaRPr lang="zh-CN" altLang="en-US"/>
           </a:p>
@@ -335,10 +338,9 @@
           <a:lstStyle/>
           <a:p>
             <a:r>
-              <a:rPr lang="zh-CN" altLang="en-US" smtClean="0"/>
+              <a:rPr lang="zh-CN" altLang="en-US"/>
               <a:t>单击此处编辑母版标题样式</a:t>
             </a:r>
-            <a:endParaRPr lang="zh-CN" altLang="en-US"/>
           </a:p>
         </p:txBody>
       </p:sp>
@@ -359,38 +361,37 @@
           <a:p>
             <a:pPr lvl="0"/>
             <a:r>
-              <a:rPr lang="zh-CN" altLang="en-US" smtClean="0"/>
+              <a:rPr lang="zh-CN" altLang="en-US"/>
               <a:t>单击此处编辑母版文本样式</a:t>
             </a:r>
           </a:p>
           <a:p>
             <a:pPr lvl="1"/>
             <a:r>
-              <a:rPr lang="zh-CN" altLang="en-US" smtClean="0"/>
+              <a:rPr lang="zh-CN" altLang="en-US"/>
               <a:t>第二级</a:t>
             </a:r>
           </a:p>
           <a:p>
             <a:pPr lvl="2"/>
             <a:r>
-              <a:rPr lang="zh-CN" altLang="en-US" smtClean="0"/>
+              <a:rPr lang="zh-CN" altLang="en-US"/>
               <a:t>第三级</a:t>
             </a:r>
           </a:p>
           <a:p>
             <a:pPr lvl="3"/>
             <a:r>
-              <a:rPr lang="zh-CN" altLang="en-US" smtClean="0"/>
+              <a:rPr lang="zh-CN" altLang="en-US"/>
               <a:t>第四级</a:t>
             </a:r>
           </a:p>
           <a:p>
             <a:pPr lvl="4"/>
             <a:r>
-              <a:rPr lang="zh-CN" altLang="en-US" smtClean="0"/>
+              <a:rPr lang="zh-CN" altLang="en-US"/>
               <a:t>第五级</a:t>
             </a:r>
-            <a:endParaRPr lang="zh-CN" altLang="en-US"/>
           </a:p>
         </p:txBody>
       </p:sp>
@@ -411,7 +412,7 @@
           <a:p>
             <a:fld id="{86381CE1-67E0-431E-81A3-9642A9A14C73}" type="datetimeFigureOut">
               <a:rPr lang="zh-CN" altLang="en-US" smtClean="0"/>
-              <a:t>2021/11/26</a:t>
+              <a:t>2021/12/8</a:t>
             </a:fld>
             <a:endParaRPr lang="zh-CN" altLang="en-US"/>
           </a:p>
@@ -510,10 +511,9 @@
           <a:lstStyle/>
           <a:p>
             <a:r>
-              <a:rPr lang="zh-CN" altLang="en-US" smtClean="0"/>
+              <a:rPr lang="zh-CN" altLang="en-US"/>
               <a:t>单击此处编辑母版标题样式</a:t>
             </a:r>
-            <a:endParaRPr lang="zh-CN" altLang="en-US"/>
           </a:p>
         </p:txBody>
       </p:sp>
@@ -539,38 +539,37 @@
           <a:p>
             <a:pPr lvl="0"/>
             <a:r>
-              <a:rPr lang="zh-CN" altLang="en-US" smtClean="0"/>
+              <a:rPr lang="zh-CN" altLang="en-US"/>
               <a:t>单击此处编辑母版文本样式</a:t>
             </a:r>
           </a:p>
           <a:p>
             <a:pPr lvl="1"/>
             <a:r>
-              <a:rPr lang="zh-CN" altLang="en-US" smtClean="0"/>
+              <a:rPr lang="zh-CN" altLang="en-US"/>
               <a:t>第二级</a:t>
             </a:r>
           </a:p>
           <a:p>
             <a:pPr lvl="2"/>
             <a:r>
-              <a:rPr lang="zh-CN" altLang="en-US" smtClean="0"/>
+              <a:rPr lang="zh-CN" altLang="en-US"/>
               <a:t>第三级</a:t>
             </a:r>
           </a:p>
           <a:p>
             <a:pPr lvl="3"/>
             <a:r>
-              <a:rPr lang="zh-CN" altLang="en-US" smtClean="0"/>
+              <a:rPr lang="zh-CN" altLang="en-US"/>
               <a:t>第四级</a:t>
             </a:r>
           </a:p>
           <a:p>
             <a:pPr lvl="4"/>
             <a:r>
-              <a:rPr lang="zh-CN" altLang="en-US" smtClean="0"/>
+              <a:rPr lang="zh-CN" altLang="en-US"/>
               <a:t>第五级</a:t>
             </a:r>
-            <a:endParaRPr lang="zh-CN" altLang="en-US"/>
           </a:p>
         </p:txBody>
       </p:sp>
@@ -591,7 +590,7 @@
           <a:p>
             <a:fld id="{86381CE1-67E0-431E-81A3-9642A9A14C73}" type="datetimeFigureOut">
               <a:rPr lang="zh-CN" altLang="en-US" smtClean="0"/>
-              <a:t>2021/11/26</a:t>
+              <a:t>2021/12/8</a:t>
             </a:fld>
             <a:endParaRPr lang="zh-CN" altLang="en-US"/>
           </a:p>
@@ -685,10 +684,9 @@
           <a:lstStyle/>
           <a:p>
             <a:r>
-              <a:rPr lang="zh-CN" altLang="en-US" smtClean="0"/>
+              <a:rPr lang="zh-CN" altLang="en-US"/>
               <a:t>单击此处编辑母版标题样式</a:t>
             </a:r>
-            <a:endParaRPr lang="zh-CN" altLang="en-US"/>
           </a:p>
         </p:txBody>
       </p:sp>
@@ -709,38 +707,37 @@
           <a:p>
             <a:pPr lvl="0"/>
             <a:r>
-              <a:rPr lang="zh-CN" altLang="en-US" smtClean="0"/>
+              <a:rPr lang="zh-CN" altLang="en-US"/>
               <a:t>单击此处编辑母版文本样式</a:t>
             </a:r>
           </a:p>
           <a:p>
             <a:pPr lvl="1"/>
             <a:r>
-              <a:rPr lang="zh-CN" altLang="en-US" smtClean="0"/>
+              <a:rPr lang="zh-CN" altLang="en-US"/>
               <a:t>第二级</a:t>
             </a:r>
           </a:p>
           <a:p>
             <a:pPr lvl="2"/>
             <a:r>
-              <a:rPr lang="zh-CN" altLang="en-US" smtClean="0"/>
+              <a:rPr lang="zh-CN" altLang="en-US"/>
               <a:t>第三级</a:t>
             </a:r>
           </a:p>
           <a:p>
             <a:pPr lvl="3"/>
             <a:r>
-              <a:rPr lang="zh-CN" altLang="en-US" smtClean="0"/>
+              <a:rPr lang="zh-CN" altLang="en-US"/>
               <a:t>第四级</a:t>
             </a:r>
           </a:p>
           <a:p>
             <a:pPr lvl="4"/>
             <a:r>
-              <a:rPr lang="zh-CN" altLang="en-US" smtClean="0"/>
+              <a:rPr lang="zh-CN" altLang="en-US"/>
               <a:t>第五级</a:t>
             </a:r>
-            <a:endParaRPr lang="zh-CN" altLang="en-US"/>
           </a:p>
         </p:txBody>
       </p:sp>
@@ -761,7 +758,7 @@
           <a:p>
             <a:fld id="{86381CE1-67E0-431E-81A3-9642A9A14C73}" type="datetimeFigureOut">
               <a:rPr lang="zh-CN" altLang="en-US" smtClean="0"/>
-              <a:t>2021/11/26</a:t>
+              <a:t>2021/12/8</a:t>
             </a:fld>
             <a:endParaRPr lang="zh-CN" altLang="en-US"/>
           </a:p>
@@ -864,10 +861,9 @@
           </a:lstStyle>
           <a:p>
             <a:r>
-              <a:rPr lang="zh-CN" altLang="en-US" smtClean="0"/>
+              <a:rPr lang="zh-CN" altLang="en-US"/>
               <a:t>单击此处编辑母版标题样式</a:t>
             </a:r>
-            <a:endParaRPr lang="zh-CN" altLang="en-US"/>
           </a:p>
         </p:txBody>
       </p:sp>
@@ -984,7 +980,7 @@
           <a:p>
             <a:pPr lvl="0"/>
             <a:r>
-              <a:rPr lang="zh-CN" altLang="en-US" smtClean="0"/>
+              <a:rPr lang="zh-CN" altLang="en-US"/>
               <a:t>单击此处编辑母版文本样式</a:t>
             </a:r>
           </a:p>
@@ -1007,7 +1003,7 @@
           <a:p>
             <a:fld id="{86381CE1-67E0-431E-81A3-9642A9A14C73}" type="datetimeFigureOut">
               <a:rPr lang="zh-CN" altLang="en-US" smtClean="0"/>
-              <a:t>2021/11/26</a:t>
+              <a:t>2021/12/8</a:t>
             </a:fld>
             <a:endParaRPr lang="zh-CN" altLang="en-US"/>
           </a:p>
@@ -1101,10 +1097,9 @@
           <a:lstStyle/>
           <a:p>
             <a:r>
-              <a:rPr lang="zh-CN" altLang="en-US" smtClean="0"/>
+              <a:rPr lang="zh-CN" altLang="en-US"/>
               <a:t>单击此处编辑母版标题样式</a:t>
             </a:r>
-            <a:endParaRPr lang="zh-CN" altLang="en-US"/>
           </a:p>
         </p:txBody>
       </p:sp>
@@ -1130,38 +1125,37 @@
           <a:p>
             <a:pPr lvl="0"/>
             <a:r>
-              <a:rPr lang="zh-CN" altLang="en-US" smtClean="0"/>
+              <a:rPr lang="zh-CN" altLang="en-US"/>
               <a:t>单击此处编辑母版文本样式</a:t>
             </a:r>
           </a:p>
           <a:p>
             <a:pPr lvl="1"/>
             <a:r>
-              <a:rPr lang="zh-CN" altLang="en-US" smtClean="0"/>
+              <a:rPr lang="zh-CN" altLang="en-US"/>
               <a:t>第二级</a:t>
             </a:r>
           </a:p>
           <a:p>
             <a:pPr lvl="2"/>
             <a:r>
-              <a:rPr lang="zh-CN" altLang="en-US" smtClean="0"/>
+              <a:rPr lang="zh-CN" altLang="en-US"/>
               <a:t>第三级</a:t>
             </a:r>
           </a:p>
           <a:p>
             <a:pPr lvl="3"/>
             <a:r>
-              <a:rPr lang="zh-CN" altLang="en-US" smtClean="0"/>
+              <a:rPr lang="zh-CN" altLang="en-US"/>
               <a:t>第四级</a:t>
             </a:r>
           </a:p>
           <a:p>
             <a:pPr lvl="4"/>
             <a:r>
-              <a:rPr lang="zh-CN" altLang="en-US" smtClean="0"/>
+              <a:rPr lang="zh-CN" altLang="en-US"/>
               <a:t>第五级</a:t>
             </a:r>
-            <a:endParaRPr lang="zh-CN" altLang="en-US"/>
           </a:p>
         </p:txBody>
       </p:sp>
@@ -1187,38 +1181,37 @@
           <a:p>
             <a:pPr lvl="0"/>
             <a:r>
-              <a:rPr lang="zh-CN" altLang="en-US" smtClean="0"/>
+              <a:rPr lang="zh-CN" altLang="en-US"/>
               <a:t>单击此处编辑母版文本样式</a:t>
             </a:r>
           </a:p>
           <a:p>
             <a:pPr lvl="1"/>
             <a:r>
-              <a:rPr lang="zh-CN" altLang="en-US" smtClean="0"/>
+              <a:rPr lang="zh-CN" altLang="en-US"/>
               <a:t>第二级</a:t>
             </a:r>
           </a:p>
           <a:p>
             <a:pPr lvl="2"/>
             <a:r>
-              <a:rPr lang="zh-CN" altLang="en-US" smtClean="0"/>
+              <a:rPr lang="zh-CN" altLang="en-US"/>
               <a:t>第三级</a:t>
             </a:r>
           </a:p>
           <a:p>
             <a:pPr lvl="3"/>
             <a:r>
-              <a:rPr lang="zh-CN" altLang="en-US" smtClean="0"/>
+              <a:rPr lang="zh-CN" altLang="en-US"/>
               <a:t>第四级</a:t>
             </a:r>
           </a:p>
           <a:p>
             <a:pPr lvl="4"/>
             <a:r>
-              <a:rPr lang="zh-CN" altLang="en-US" smtClean="0"/>
+              <a:rPr lang="zh-CN" altLang="en-US"/>
               <a:t>第五级</a:t>
             </a:r>
-            <a:endParaRPr lang="zh-CN" altLang="en-US"/>
           </a:p>
         </p:txBody>
       </p:sp>
@@ -1239,7 +1232,7 @@
           <a:p>
             <a:fld id="{86381CE1-67E0-431E-81A3-9642A9A14C73}" type="datetimeFigureOut">
               <a:rPr lang="zh-CN" altLang="en-US" smtClean="0"/>
-              <a:t>2021/11/26</a:t>
+              <a:t>2021/12/8</a:t>
             </a:fld>
             <a:endParaRPr lang="zh-CN" altLang="en-US"/>
           </a:p>
@@ -1338,10 +1331,9 @@
           <a:lstStyle/>
           <a:p>
             <a:r>
-              <a:rPr lang="zh-CN" altLang="en-US" smtClean="0"/>
+              <a:rPr lang="zh-CN" altLang="en-US"/>
               <a:t>单击此处编辑母版标题样式</a:t>
             </a:r>
-            <a:endParaRPr lang="zh-CN" altLang="en-US"/>
           </a:p>
         </p:txBody>
       </p:sp>
@@ -1404,7 +1396,7 @@
           <a:p>
             <a:pPr lvl="0"/>
             <a:r>
-              <a:rPr lang="zh-CN" altLang="en-US" smtClean="0"/>
+              <a:rPr lang="zh-CN" altLang="en-US"/>
               <a:t>单击此处编辑母版文本样式</a:t>
             </a:r>
           </a:p>
@@ -1432,38 +1424,37 @@
           <a:p>
             <a:pPr lvl="0"/>
             <a:r>
-              <a:rPr lang="zh-CN" altLang="en-US" smtClean="0"/>
+              <a:rPr lang="zh-CN" altLang="en-US"/>
               <a:t>单击此处编辑母版文本样式</a:t>
             </a:r>
           </a:p>
           <a:p>
             <a:pPr lvl="1"/>
             <a:r>
-              <a:rPr lang="zh-CN" altLang="en-US" smtClean="0"/>
+              <a:rPr lang="zh-CN" altLang="en-US"/>
               <a:t>第二级</a:t>
             </a:r>
           </a:p>
           <a:p>
             <a:pPr lvl="2"/>
             <a:r>
-              <a:rPr lang="zh-CN" altLang="en-US" smtClean="0"/>
+              <a:rPr lang="zh-CN" altLang="en-US"/>
               <a:t>第三级</a:t>
             </a:r>
           </a:p>
           <a:p>
             <a:pPr lvl="3"/>
             <a:r>
-              <a:rPr lang="zh-CN" altLang="en-US" smtClean="0"/>
+              <a:rPr lang="zh-CN" altLang="en-US"/>
               <a:t>第四级</a:t>
             </a:r>
           </a:p>
           <a:p>
             <a:pPr lvl="4"/>
             <a:r>
-              <a:rPr lang="zh-CN" altLang="en-US" smtClean="0"/>
+              <a:rPr lang="zh-CN" altLang="en-US"/>
               <a:t>第五级</a:t>
             </a:r>
-            <a:endParaRPr lang="zh-CN" altLang="en-US"/>
           </a:p>
         </p:txBody>
       </p:sp>
@@ -1526,7 +1517,7 @@
           <a:p>
             <a:pPr lvl="0"/>
             <a:r>
-              <a:rPr lang="zh-CN" altLang="en-US" smtClean="0"/>
+              <a:rPr lang="zh-CN" altLang="en-US"/>
               <a:t>单击此处编辑母版文本样式</a:t>
             </a:r>
           </a:p>
@@ -1554,38 +1545,37 @@
           <a:p>
             <a:pPr lvl="0"/>
             <a:r>
-              <a:rPr lang="zh-CN" altLang="en-US" smtClean="0"/>
+              <a:rPr lang="zh-CN" altLang="en-US"/>
               <a:t>单击此处编辑母版文本样式</a:t>
             </a:r>
           </a:p>
           <a:p>
             <a:pPr lvl="1"/>
             <a:r>
-              <a:rPr lang="zh-CN" altLang="en-US" smtClean="0"/>
+              <a:rPr lang="zh-CN" altLang="en-US"/>
               <a:t>第二级</a:t>
             </a:r>
           </a:p>
           <a:p>
             <a:pPr lvl="2"/>
             <a:r>
-              <a:rPr lang="zh-CN" altLang="en-US" smtClean="0"/>
+              <a:rPr lang="zh-CN" altLang="en-US"/>
               <a:t>第三级</a:t>
             </a:r>
           </a:p>
           <a:p>
             <a:pPr lvl="3"/>
             <a:r>
-              <a:rPr lang="zh-CN" altLang="en-US" smtClean="0"/>
+              <a:rPr lang="zh-CN" altLang="en-US"/>
               <a:t>第四级</a:t>
             </a:r>
           </a:p>
           <a:p>
             <a:pPr lvl="4"/>
             <a:r>
-              <a:rPr lang="zh-CN" altLang="en-US" smtClean="0"/>
+              <a:rPr lang="zh-CN" altLang="en-US"/>
               <a:t>第五级</a:t>
             </a:r>
-            <a:endParaRPr lang="zh-CN" altLang="en-US"/>
           </a:p>
         </p:txBody>
       </p:sp>
@@ -1606,7 +1596,7 @@
           <a:p>
             <a:fld id="{86381CE1-67E0-431E-81A3-9642A9A14C73}" type="datetimeFigureOut">
               <a:rPr lang="zh-CN" altLang="en-US" smtClean="0"/>
-              <a:t>2021/11/26</a:t>
+              <a:t>2021/12/8</a:t>
             </a:fld>
             <a:endParaRPr lang="zh-CN" altLang="en-US"/>
           </a:p>
@@ -1700,10 +1690,9 @@
           <a:lstStyle/>
           <a:p>
             <a:r>
-              <a:rPr lang="zh-CN" altLang="en-US" smtClean="0"/>
+              <a:rPr lang="zh-CN" altLang="en-US"/>
               <a:t>单击此处编辑母版标题样式</a:t>
             </a:r>
-            <a:endParaRPr lang="zh-CN" altLang="en-US"/>
           </a:p>
         </p:txBody>
       </p:sp>
@@ -1724,7 +1713,7 @@
           <a:p>
             <a:fld id="{86381CE1-67E0-431E-81A3-9642A9A14C73}" type="datetimeFigureOut">
               <a:rPr lang="zh-CN" altLang="en-US" smtClean="0"/>
-              <a:t>2021/11/26</a:t>
+              <a:t>2021/12/8</a:t>
             </a:fld>
             <a:endParaRPr lang="zh-CN" altLang="en-US"/>
           </a:p>
@@ -1819,7 +1808,7 @@
           <a:p>
             <a:fld id="{86381CE1-67E0-431E-81A3-9642A9A14C73}" type="datetimeFigureOut">
               <a:rPr lang="zh-CN" altLang="en-US" smtClean="0"/>
-              <a:t>2021/11/26</a:t>
+              <a:t>2021/12/8</a:t>
             </a:fld>
             <a:endParaRPr lang="zh-CN" altLang="en-US"/>
           </a:p>
@@ -1922,10 +1911,9 @@
           </a:lstStyle>
           <a:p>
             <a:r>
-              <a:rPr lang="zh-CN" altLang="en-US" smtClean="0"/>
+              <a:rPr lang="zh-CN" altLang="en-US"/>
               <a:t>单击此处编辑母版标题样式</a:t>
             </a:r>
-            <a:endParaRPr lang="zh-CN" altLang="en-US"/>
           </a:p>
         </p:txBody>
       </p:sp>
@@ -1979,38 +1967,37 @@
           <a:p>
             <a:pPr lvl="0"/>
             <a:r>
-              <a:rPr lang="zh-CN" altLang="en-US" smtClean="0"/>
+              <a:rPr lang="zh-CN" altLang="en-US"/>
               <a:t>单击此处编辑母版文本样式</a:t>
             </a:r>
           </a:p>
           <a:p>
             <a:pPr lvl="1"/>
             <a:r>
-              <a:rPr lang="zh-CN" altLang="en-US" smtClean="0"/>
+              <a:rPr lang="zh-CN" altLang="en-US"/>
               <a:t>第二级</a:t>
             </a:r>
           </a:p>
           <a:p>
             <a:pPr lvl="2"/>
             <a:r>
-              <a:rPr lang="zh-CN" altLang="en-US" smtClean="0"/>
+              <a:rPr lang="zh-CN" altLang="en-US"/>
               <a:t>第三级</a:t>
             </a:r>
           </a:p>
           <a:p>
             <a:pPr lvl="3"/>
             <a:r>
-              <a:rPr lang="zh-CN" altLang="en-US" smtClean="0"/>
+              <a:rPr lang="zh-CN" altLang="en-US"/>
               <a:t>第四级</a:t>
             </a:r>
           </a:p>
           <a:p>
             <a:pPr lvl="4"/>
             <a:r>
-              <a:rPr lang="zh-CN" altLang="en-US" smtClean="0"/>
+              <a:rPr lang="zh-CN" altLang="en-US"/>
               <a:t>第五级</a:t>
             </a:r>
-            <a:endParaRPr lang="zh-CN" altLang="en-US"/>
           </a:p>
         </p:txBody>
       </p:sp>
@@ -2073,7 +2060,7 @@
           <a:p>
             <a:pPr lvl="0"/>
             <a:r>
-              <a:rPr lang="zh-CN" altLang="en-US" smtClean="0"/>
+              <a:rPr lang="zh-CN" altLang="en-US"/>
               <a:t>单击此处编辑母版文本样式</a:t>
             </a:r>
           </a:p>
@@ -2096,7 +2083,7 @@
           <a:p>
             <a:fld id="{86381CE1-67E0-431E-81A3-9642A9A14C73}" type="datetimeFigureOut">
               <a:rPr lang="zh-CN" altLang="en-US" smtClean="0"/>
-              <a:t>2021/11/26</a:t>
+              <a:t>2021/12/8</a:t>
             </a:fld>
             <a:endParaRPr lang="zh-CN" altLang="en-US"/>
           </a:p>
@@ -2199,10 +2186,9 @@
           </a:lstStyle>
           <a:p>
             <a:r>
-              <a:rPr lang="zh-CN" altLang="en-US" smtClean="0"/>
+              <a:rPr lang="zh-CN" altLang="en-US"/>
               <a:t>单击此处编辑母版标题样式</a:t>
             </a:r>
-            <a:endParaRPr lang="zh-CN" altLang="en-US"/>
           </a:p>
         </p:txBody>
       </p:sp>
@@ -2326,7 +2312,7 @@
           <a:p>
             <a:pPr lvl="0"/>
             <a:r>
-              <a:rPr lang="zh-CN" altLang="en-US" smtClean="0"/>
+              <a:rPr lang="zh-CN" altLang="en-US"/>
               <a:t>单击此处编辑母版文本样式</a:t>
             </a:r>
           </a:p>
@@ -2349,7 +2335,7 @@
           <a:p>
             <a:fld id="{86381CE1-67E0-431E-81A3-9642A9A14C73}" type="datetimeFigureOut">
               <a:rPr lang="zh-CN" altLang="en-US" smtClean="0"/>
-              <a:t>2021/11/26</a:t>
+              <a:t>2021/12/8</a:t>
             </a:fld>
             <a:endParaRPr lang="zh-CN" altLang="en-US"/>
           </a:p>
@@ -2458,10 +2444,9 @@
           <a:lstStyle/>
           <a:p>
             <a:r>
-              <a:rPr lang="zh-CN" altLang="en-US" smtClean="0"/>
+              <a:rPr lang="zh-CN" altLang="en-US"/>
               <a:t>单击此处编辑母版标题样式</a:t>
             </a:r>
-            <a:endParaRPr lang="zh-CN" altLang="en-US"/>
           </a:p>
         </p:txBody>
       </p:sp>
@@ -2492,38 +2477,37 @@
           <a:p>
             <a:pPr lvl="0"/>
             <a:r>
-              <a:rPr lang="zh-CN" altLang="en-US" smtClean="0"/>
+              <a:rPr lang="zh-CN" altLang="en-US"/>
               <a:t>单击此处编辑母版文本样式</a:t>
             </a:r>
           </a:p>
           <a:p>
             <a:pPr lvl="1"/>
             <a:r>
-              <a:rPr lang="zh-CN" altLang="en-US" smtClean="0"/>
+              <a:rPr lang="zh-CN" altLang="en-US"/>
               <a:t>第二级</a:t>
             </a:r>
           </a:p>
           <a:p>
             <a:pPr lvl="2"/>
             <a:r>
-              <a:rPr lang="zh-CN" altLang="en-US" smtClean="0"/>
+              <a:rPr lang="zh-CN" altLang="en-US"/>
               <a:t>第三级</a:t>
             </a:r>
           </a:p>
           <a:p>
             <a:pPr lvl="3"/>
             <a:r>
-              <a:rPr lang="zh-CN" altLang="en-US" smtClean="0"/>
+              <a:rPr lang="zh-CN" altLang="en-US"/>
               <a:t>第四级</a:t>
             </a:r>
           </a:p>
           <a:p>
             <a:pPr lvl="4"/>
             <a:r>
-              <a:rPr lang="zh-CN" altLang="en-US" smtClean="0"/>
+              <a:rPr lang="zh-CN" altLang="en-US"/>
               <a:t>第五级</a:t>
             </a:r>
-            <a:endParaRPr lang="zh-CN" altLang="en-US"/>
           </a:p>
         </p:txBody>
       </p:sp>
@@ -2562,7 +2546,7 @@
           <a:p>
             <a:fld id="{86381CE1-67E0-431E-81A3-9642A9A14C73}" type="datetimeFigureOut">
               <a:rPr lang="zh-CN" altLang="en-US" smtClean="0"/>
-              <a:t>2021/11/26</a:t>
+              <a:t>2021/12/8</a:t>
             </a:fld>
             <a:endParaRPr lang="zh-CN" altLang="en-US"/>
           </a:p>
@@ -3043,7 +3027,7 @@
           <a:lstStyle/>
           <a:p>
             <a:r>
-              <a:rPr lang="zh-CN" altLang="en-US" b="0" i="0" dirty="0" smtClean="0">
+              <a:rPr lang="zh-CN" altLang="en-US" b="0" i="0" dirty="0">
                 <a:solidFill>
                   <a:srgbClr val="FF0000"/>
                 </a:solidFill>
@@ -3053,7 +3037,7 @@
               <a:t>马尔可夫决策过程</a:t>
             </a:r>
             <a:r>
-              <a:rPr lang="zh-CN" altLang="en-US" b="0" i="0" dirty="0" smtClean="0">
+              <a:rPr lang="zh-CN" altLang="en-US" b="0" i="0" dirty="0">
                 <a:solidFill>
                   <a:srgbClr val="4D4D4D"/>
                 </a:solidFill>
@@ -3063,7 +3047,7 @@
               <a:t> </a:t>
             </a:r>
             <a:r>
-              <a:rPr lang="en-US" altLang="zh-CN" b="0" i="0" dirty="0" smtClean="0">
+              <a:rPr lang="en-US" altLang="zh-CN" b="0" i="0" dirty="0">
                 <a:solidFill>
                   <a:srgbClr val="000000"/>
                 </a:solidFill>
@@ -3073,7 +3057,7 @@
               <a:t>(Markov Decision Process</a:t>
             </a:r>
             <a:r>
-              <a:rPr lang="zh-CN" altLang="en-US" b="0" i="0" dirty="0" smtClean="0">
+              <a:rPr lang="zh-CN" altLang="en-US" b="0" i="0" dirty="0">
                 <a:solidFill>
                   <a:srgbClr val="000000"/>
                 </a:solidFill>
@@ -3083,7 +3067,7 @@
               <a:t>，</a:t>
             </a:r>
             <a:r>
-              <a:rPr lang="en-US" altLang="zh-CN" b="0" i="0" dirty="0" smtClean="0">
+              <a:rPr lang="en-US" altLang="zh-CN" b="0" i="0" dirty="0">
                 <a:solidFill>
                   <a:srgbClr val="FF0000"/>
                 </a:solidFill>
@@ -3093,7 +3077,7 @@
               <a:t>MDP</a:t>
             </a:r>
             <a:r>
-              <a:rPr lang="en-US" altLang="zh-CN" b="0" i="0" dirty="0" smtClean="0">
+              <a:rPr lang="en-US" altLang="zh-CN" b="0" i="0" dirty="0">
                 <a:solidFill>
                   <a:srgbClr val="000000"/>
                 </a:solidFill>
@@ -3183,14 +3167,13 @@
           <a:lstStyle/>
           <a:p>
             <a:r>
-              <a:rPr lang="en-US" altLang="zh-CN" dirty="0" smtClean="0"/>
+              <a:rPr lang="en-US" altLang="zh-CN" dirty="0"/>
               <a:t>Q-Learning  </a:t>
             </a:r>
             <a:r>
-              <a:rPr lang="zh-CN" altLang="en-US" dirty="0" smtClean="0"/>
+              <a:rPr lang="zh-CN" altLang="en-US" dirty="0"/>
               <a:t>伪代码</a:t>
             </a:r>
-            <a:endParaRPr lang="zh-CN" altLang="en-US" dirty="0"/>
           </a:p>
         </p:txBody>
       </p:sp>
@@ -3247,18 +3230,17 @@
           <a:lstStyle/>
           <a:p>
             <a:r>
-              <a:rPr lang="en-US" altLang="zh-CN" dirty="0" err="1" smtClean="0"/>
+              <a:rPr lang="en-US" altLang="zh-CN" dirty="0" err="1"/>
               <a:t>Sarsa</a:t>
             </a:r>
             <a:r>
-              <a:rPr lang="en-US" altLang="zh-CN" dirty="0" smtClean="0"/>
+              <a:rPr lang="en-US" altLang="zh-CN" dirty="0"/>
               <a:t>  </a:t>
             </a:r>
             <a:r>
-              <a:rPr lang="zh-CN" altLang="en-US" dirty="0" smtClean="0"/>
+              <a:rPr lang="zh-CN" altLang="en-US" dirty="0"/>
               <a:t>伪代码</a:t>
             </a:r>
-            <a:endParaRPr lang="zh-CN" altLang="en-US" dirty="0"/>
           </a:p>
         </p:txBody>
       </p:sp>

--- a/Reinforcement_Learning/周日讨论班.pptx
+++ b/Reinforcement_Learning/周日讨论班.pptx
@@ -5,10 +5,11 @@
     <p:sldMasterId id="2147483648" r:id="rId1"/>
   </p:sldMasterIdLst>
   <p:sldIdLst>
-    <p:sldId id="259" r:id="rId2"/>
-    <p:sldId id="257" r:id="rId3"/>
-    <p:sldId id="256" r:id="rId4"/>
-    <p:sldId id="258" r:id="rId5"/>
+    <p:sldId id="260" r:id="rId2"/>
+    <p:sldId id="259" r:id="rId3"/>
+    <p:sldId id="257" r:id="rId4"/>
+    <p:sldId id="256" r:id="rId5"/>
+    <p:sldId id="258" r:id="rId6"/>
   </p:sldIdLst>
   <p:sldSz cx="12192000" cy="6858000"/>
   <p:notesSz cx="6858000" cy="9144000"/>
@@ -244,7 +245,7 @@
           <a:p>
             <a:fld id="{86381CE1-67E0-431E-81A3-9642A9A14C73}" type="datetimeFigureOut">
               <a:rPr lang="zh-CN" altLang="en-US" smtClean="0"/>
-              <a:t>2021/12/8</a:t>
+              <a:t>2021/12/9</a:t>
             </a:fld>
             <a:endParaRPr lang="zh-CN" altLang="en-US"/>
           </a:p>
@@ -412,7 +413,7 @@
           <a:p>
             <a:fld id="{86381CE1-67E0-431E-81A3-9642A9A14C73}" type="datetimeFigureOut">
               <a:rPr lang="zh-CN" altLang="en-US" smtClean="0"/>
-              <a:t>2021/12/8</a:t>
+              <a:t>2021/12/9</a:t>
             </a:fld>
             <a:endParaRPr lang="zh-CN" altLang="en-US"/>
           </a:p>
@@ -590,7 +591,7 @@
           <a:p>
             <a:fld id="{86381CE1-67E0-431E-81A3-9642A9A14C73}" type="datetimeFigureOut">
               <a:rPr lang="zh-CN" altLang="en-US" smtClean="0"/>
-              <a:t>2021/12/8</a:t>
+              <a:t>2021/12/9</a:t>
             </a:fld>
             <a:endParaRPr lang="zh-CN" altLang="en-US"/>
           </a:p>
@@ -758,7 +759,7 @@
           <a:p>
             <a:fld id="{86381CE1-67E0-431E-81A3-9642A9A14C73}" type="datetimeFigureOut">
               <a:rPr lang="zh-CN" altLang="en-US" smtClean="0"/>
-              <a:t>2021/12/8</a:t>
+              <a:t>2021/12/9</a:t>
             </a:fld>
             <a:endParaRPr lang="zh-CN" altLang="en-US"/>
           </a:p>
@@ -1003,7 +1004,7 @@
           <a:p>
             <a:fld id="{86381CE1-67E0-431E-81A3-9642A9A14C73}" type="datetimeFigureOut">
               <a:rPr lang="zh-CN" altLang="en-US" smtClean="0"/>
-              <a:t>2021/12/8</a:t>
+              <a:t>2021/12/9</a:t>
             </a:fld>
             <a:endParaRPr lang="zh-CN" altLang="en-US"/>
           </a:p>
@@ -1232,7 +1233,7 @@
           <a:p>
             <a:fld id="{86381CE1-67E0-431E-81A3-9642A9A14C73}" type="datetimeFigureOut">
               <a:rPr lang="zh-CN" altLang="en-US" smtClean="0"/>
-              <a:t>2021/12/8</a:t>
+              <a:t>2021/12/9</a:t>
             </a:fld>
             <a:endParaRPr lang="zh-CN" altLang="en-US"/>
           </a:p>
@@ -1596,7 +1597,7 @@
           <a:p>
             <a:fld id="{86381CE1-67E0-431E-81A3-9642A9A14C73}" type="datetimeFigureOut">
               <a:rPr lang="zh-CN" altLang="en-US" smtClean="0"/>
-              <a:t>2021/12/8</a:t>
+              <a:t>2021/12/9</a:t>
             </a:fld>
             <a:endParaRPr lang="zh-CN" altLang="en-US"/>
           </a:p>
@@ -1713,7 +1714,7 @@
           <a:p>
             <a:fld id="{86381CE1-67E0-431E-81A3-9642A9A14C73}" type="datetimeFigureOut">
               <a:rPr lang="zh-CN" altLang="en-US" smtClean="0"/>
-              <a:t>2021/12/8</a:t>
+              <a:t>2021/12/9</a:t>
             </a:fld>
             <a:endParaRPr lang="zh-CN" altLang="en-US"/>
           </a:p>
@@ -1808,7 +1809,7 @@
           <a:p>
             <a:fld id="{86381CE1-67E0-431E-81A3-9642A9A14C73}" type="datetimeFigureOut">
               <a:rPr lang="zh-CN" altLang="en-US" smtClean="0"/>
-              <a:t>2021/12/8</a:t>
+              <a:t>2021/12/9</a:t>
             </a:fld>
             <a:endParaRPr lang="zh-CN" altLang="en-US"/>
           </a:p>
@@ -2083,7 +2084,7 @@
           <a:p>
             <a:fld id="{86381CE1-67E0-431E-81A3-9642A9A14C73}" type="datetimeFigureOut">
               <a:rPr lang="zh-CN" altLang="en-US" smtClean="0"/>
-              <a:t>2021/12/8</a:t>
+              <a:t>2021/12/9</a:t>
             </a:fld>
             <a:endParaRPr lang="zh-CN" altLang="en-US"/>
           </a:p>
@@ -2335,7 +2336,7 @@
           <a:p>
             <a:fld id="{86381CE1-67E0-431E-81A3-9642A9A14C73}" type="datetimeFigureOut">
               <a:rPr lang="zh-CN" altLang="en-US" smtClean="0"/>
-              <a:t>2021/12/8</a:t>
+              <a:t>2021/12/9</a:t>
             </a:fld>
             <a:endParaRPr lang="zh-CN" altLang="en-US"/>
           </a:p>
@@ -2546,7 +2547,7 @@
           <a:p>
             <a:fld id="{86381CE1-67E0-431E-81A3-9642A9A14C73}" type="datetimeFigureOut">
               <a:rPr lang="zh-CN" altLang="en-US" smtClean="0"/>
-              <a:t>2021/12/8</a:t>
+              <a:t>2021/12/9</a:t>
             </a:fld>
             <a:endParaRPr lang="zh-CN" altLang="en-US"/>
           </a:p>
@@ -2951,6 +2952,114 @@
           <a:chExt cx="0" cy="0"/>
         </a:xfrm>
       </p:grpSpPr>
+      <p:sp>
+        <p:nvSpPr>
+          <p:cNvPr id="2" name="文本框 1"/>
+          <p:cNvSpPr txBox="1"/>
+          <p:nvPr/>
+        </p:nvSpPr>
+        <p:spPr>
+          <a:xfrm>
+            <a:off x="2603863" y="2682240"/>
+            <a:ext cx="6955750" cy="830997"/>
+          </a:xfrm>
+          <a:prstGeom prst="rect">
+            <a:avLst/>
+          </a:prstGeom>
+          <a:noFill/>
+        </p:spPr>
+        <p:txBody>
+          <a:bodyPr wrap="none" rtlCol="0">
+            <a:spAutoFit/>
+          </a:bodyPr>
+          <a:lstStyle/>
+          <a:p>
+            <a:r>
+              <a:rPr lang="en-US" altLang="zh-CN" sz="4800" dirty="0">
+                <a:latin typeface="+mj-ea"/>
+                <a:ea typeface="+mj-ea"/>
+              </a:rPr>
+              <a:t>Reinforcement learning</a:t>
+            </a:r>
+            <a:endParaRPr lang="zh-CN" altLang="en-US" sz="4800" dirty="0">
+              <a:latin typeface="+mj-ea"/>
+              <a:ea typeface="+mj-ea"/>
+            </a:endParaRPr>
+          </a:p>
+        </p:txBody>
+      </p:sp>
+      <p:sp>
+        <p:nvSpPr>
+          <p:cNvPr id="3" name="文本框 2"/>
+          <p:cNvSpPr txBox="1"/>
+          <p:nvPr/>
+        </p:nvSpPr>
+        <p:spPr>
+          <a:xfrm>
+            <a:off x="87086" y="5808617"/>
+            <a:ext cx="2040943" cy="923330"/>
+          </a:xfrm>
+          <a:prstGeom prst="rect">
+            <a:avLst/>
+          </a:prstGeom>
+          <a:noFill/>
+        </p:spPr>
+        <p:txBody>
+          <a:bodyPr wrap="none" rtlCol="0">
+            <a:spAutoFit/>
+          </a:bodyPr>
+          <a:lstStyle/>
+          <a:p>
+            <a:r>
+              <a:rPr lang="en-US" altLang="zh-CN" dirty="0" smtClean="0"/>
+              <a:t>show</a:t>
+            </a:r>
+          </a:p>
+          <a:p>
+            <a:r>
+              <a:rPr lang="en-US" altLang="zh-CN" dirty="0" smtClean="0"/>
+              <a:t>Q_Learning_demo4</a:t>
+            </a:r>
+          </a:p>
+          <a:p>
+            <a:r>
+              <a:rPr lang="en-US" altLang="zh-CN" dirty="0"/>
+              <a:t>Q_Learning_demo5</a:t>
+            </a:r>
+            <a:endParaRPr lang="zh-CN" altLang="en-US" dirty="0"/>
+          </a:p>
+        </p:txBody>
+      </p:sp>
+    </p:spTree>
+    <p:extLst>
+      <p:ext uri="{BB962C8B-B14F-4D97-AF65-F5344CB8AC3E}">
+        <p14:creationId xmlns:p14="http://schemas.microsoft.com/office/powerpoint/2010/main" val="4294257686"/>
+      </p:ext>
+    </p:extLst>
+  </p:cSld>
+  <p:clrMapOvr>
+    <a:masterClrMapping/>
+  </p:clrMapOvr>
+</p:sld>
+</file>
+
+<file path=ppt/slides/slide2.xml><?xml version="1.0" encoding="utf-8"?>
+<p:sld xmlns:a="http://schemas.openxmlformats.org/drawingml/2006/main" xmlns:r="http://schemas.openxmlformats.org/officeDocument/2006/relationships" xmlns:p="http://schemas.openxmlformats.org/presentationml/2006/main">
+  <p:cSld>
+    <p:spTree>
+      <p:nvGrpSpPr>
+        <p:cNvPr id="1" name=""/>
+        <p:cNvGrpSpPr/>
+        <p:nvPr/>
+      </p:nvGrpSpPr>
+      <p:grpSpPr>
+        <a:xfrm>
+          <a:off x="0" y="0"/>
+          <a:ext cx="0" cy="0"/>
+          <a:chOff x="0" y="0"/>
+          <a:chExt cx="0" cy="0"/>
+        </a:xfrm>
+      </p:grpSpPr>
       <p:pic>
         <p:nvPicPr>
           <p:cNvPr id="4" name="图片 3"/>
@@ -2988,7 +3097,7 @@
 </p:sld>
 </file>
 
-<file path=ppt/slides/slide2.xml><?xml version="1.0" encoding="utf-8"?>
+<file path=ppt/slides/slide3.xml><?xml version="1.0" encoding="utf-8"?>
 <p:sld xmlns:a="http://schemas.openxmlformats.org/drawingml/2006/main" xmlns:r="http://schemas.openxmlformats.org/officeDocument/2006/relationships" xmlns:p="http://schemas.openxmlformats.org/presentationml/2006/main">
   <p:cSld>
     <p:spTree>
@@ -3103,7 +3212,7 @@
 </p:sld>
 </file>
 
-<file path=ppt/slides/slide3.xml><?xml version="1.0" encoding="utf-8"?>
+<file path=ppt/slides/slide4.xml><?xml version="1.0" encoding="utf-8"?>
 <p:sld xmlns:a="http://schemas.openxmlformats.org/drawingml/2006/main" xmlns:r="http://schemas.openxmlformats.org/officeDocument/2006/relationships" xmlns:p="http://schemas.openxmlformats.org/presentationml/2006/main">
   <p:cSld>
     <p:spTree>
@@ -3190,7 +3299,7 @@
 </p:sld>
 </file>
 
-<file path=ppt/slides/slide4.xml><?xml version="1.0" encoding="utf-8"?>
+<file path=ppt/slides/slide5.xml><?xml version="1.0" encoding="utf-8"?>
 <p:sld xmlns:a="http://schemas.openxmlformats.org/drawingml/2006/main" xmlns:r="http://schemas.openxmlformats.org/officeDocument/2006/relationships" xmlns:p="http://schemas.openxmlformats.org/presentationml/2006/main">
   <p:cSld>
     <p:spTree>

--- a/Reinforcement_Learning/周日讨论班.pptx
+++ b/Reinforcement_Learning/周日讨论班.pptx
@@ -7,9 +7,11 @@
   <p:sldIdLst>
     <p:sldId id="260" r:id="rId2"/>
     <p:sldId id="259" r:id="rId3"/>
-    <p:sldId id="257" r:id="rId4"/>
-    <p:sldId id="256" r:id="rId5"/>
-    <p:sldId id="258" r:id="rId6"/>
+    <p:sldId id="261" r:id="rId4"/>
+    <p:sldId id="257" r:id="rId5"/>
+    <p:sldId id="256" r:id="rId6"/>
+    <p:sldId id="262" r:id="rId7"/>
+    <p:sldId id="258" r:id="rId8"/>
   </p:sldIdLst>
   <p:sldSz cx="12192000" cy="6858000"/>
   <p:notesSz cx="6858000" cy="9144000"/>
@@ -116,6 +118,18 @@
 </p:presentation>
 </file>
 
+<file path=ppt/commentAuthors.xml><?xml version="1.0" encoding="utf-8"?>
+<p:cmAuthorLst xmlns:a="http://schemas.openxmlformats.org/drawingml/2006/main" xmlns:r="http://schemas.openxmlformats.org/officeDocument/2006/relationships" xmlns:p="http://schemas.openxmlformats.org/presentationml/2006/main">
+  <p:cmAuthor id="1" name="622" initials="6" lastIdx="1" clrIdx="0">
+    <p:extLst>
+      <p:ext uri="{19B8F6BF-5375-455C-9EA6-DF929625EA0E}">
+        <p15:presenceInfo xmlns:p15="http://schemas.microsoft.com/office/powerpoint/2012/main" userId="29a43faefb8a8e4e" providerId="Windows Live"/>
+      </p:ext>
+    </p:extLst>
+  </p:cmAuthor>
+</p:cmAuthorLst>
+</file>
+
 <file path=ppt/slideLayouts/slideLayout1.xml><?xml version="1.0" encoding="utf-8"?>
 <p:sldLayout xmlns:a="http://schemas.openxmlformats.org/drawingml/2006/main" xmlns:r="http://schemas.openxmlformats.org/officeDocument/2006/relationships" xmlns:p="http://schemas.openxmlformats.org/presentationml/2006/main" type="title" preserve="1">
   <p:cSld name="标题幻灯片">
@@ -245,7 +259,7 @@
           <a:p>
             <a:fld id="{86381CE1-67E0-431E-81A3-9642A9A14C73}" type="datetimeFigureOut">
               <a:rPr lang="zh-CN" altLang="en-US" smtClean="0"/>
-              <a:t>2021/12/9</a:t>
+              <a:t>2021/12/10</a:t>
             </a:fld>
             <a:endParaRPr lang="zh-CN" altLang="en-US"/>
           </a:p>
@@ -413,7 +427,7 @@
           <a:p>
             <a:fld id="{86381CE1-67E0-431E-81A3-9642A9A14C73}" type="datetimeFigureOut">
               <a:rPr lang="zh-CN" altLang="en-US" smtClean="0"/>
-              <a:t>2021/12/9</a:t>
+              <a:t>2021/12/10</a:t>
             </a:fld>
             <a:endParaRPr lang="zh-CN" altLang="en-US"/>
           </a:p>
@@ -591,7 +605,7 @@
           <a:p>
             <a:fld id="{86381CE1-67E0-431E-81A3-9642A9A14C73}" type="datetimeFigureOut">
               <a:rPr lang="zh-CN" altLang="en-US" smtClean="0"/>
-              <a:t>2021/12/9</a:t>
+              <a:t>2021/12/10</a:t>
             </a:fld>
             <a:endParaRPr lang="zh-CN" altLang="en-US"/>
           </a:p>
@@ -759,7 +773,7 @@
           <a:p>
             <a:fld id="{86381CE1-67E0-431E-81A3-9642A9A14C73}" type="datetimeFigureOut">
               <a:rPr lang="zh-CN" altLang="en-US" smtClean="0"/>
-              <a:t>2021/12/9</a:t>
+              <a:t>2021/12/10</a:t>
             </a:fld>
             <a:endParaRPr lang="zh-CN" altLang="en-US"/>
           </a:p>
@@ -1004,7 +1018,7 @@
           <a:p>
             <a:fld id="{86381CE1-67E0-431E-81A3-9642A9A14C73}" type="datetimeFigureOut">
               <a:rPr lang="zh-CN" altLang="en-US" smtClean="0"/>
-              <a:t>2021/12/9</a:t>
+              <a:t>2021/12/10</a:t>
             </a:fld>
             <a:endParaRPr lang="zh-CN" altLang="en-US"/>
           </a:p>
@@ -1233,7 +1247,7 @@
           <a:p>
             <a:fld id="{86381CE1-67E0-431E-81A3-9642A9A14C73}" type="datetimeFigureOut">
               <a:rPr lang="zh-CN" altLang="en-US" smtClean="0"/>
-              <a:t>2021/12/9</a:t>
+              <a:t>2021/12/10</a:t>
             </a:fld>
             <a:endParaRPr lang="zh-CN" altLang="en-US"/>
           </a:p>
@@ -1597,7 +1611,7 @@
           <a:p>
             <a:fld id="{86381CE1-67E0-431E-81A3-9642A9A14C73}" type="datetimeFigureOut">
               <a:rPr lang="zh-CN" altLang="en-US" smtClean="0"/>
-              <a:t>2021/12/9</a:t>
+              <a:t>2021/12/10</a:t>
             </a:fld>
             <a:endParaRPr lang="zh-CN" altLang="en-US"/>
           </a:p>
@@ -1714,7 +1728,7 @@
           <a:p>
             <a:fld id="{86381CE1-67E0-431E-81A3-9642A9A14C73}" type="datetimeFigureOut">
               <a:rPr lang="zh-CN" altLang="en-US" smtClean="0"/>
-              <a:t>2021/12/9</a:t>
+              <a:t>2021/12/10</a:t>
             </a:fld>
             <a:endParaRPr lang="zh-CN" altLang="en-US"/>
           </a:p>
@@ -1809,7 +1823,7 @@
           <a:p>
             <a:fld id="{86381CE1-67E0-431E-81A3-9642A9A14C73}" type="datetimeFigureOut">
               <a:rPr lang="zh-CN" altLang="en-US" smtClean="0"/>
-              <a:t>2021/12/9</a:t>
+              <a:t>2021/12/10</a:t>
             </a:fld>
             <a:endParaRPr lang="zh-CN" altLang="en-US"/>
           </a:p>
@@ -2084,7 +2098,7 @@
           <a:p>
             <a:fld id="{86381CE1-67E0-431E-81A3-9642A9A14C73}" type="datetimeFigureOut">
               <a:rPr lang="zh-CN" altLang="en-US" smtClean="0"/>
-              <a:t>2021/12/9</a:t>
+              <a:t>2021/12/10</a:t>
             </a:fld>
             <a:endParaRPr lang="zh-CN" altLang="en-US"/>
           </a:p>
@@ -2336,7 +2350,7 @@
           <a:p>
             <a:fld id="{86381CE1-67E0-431E-81A3-9642A9A14C73}" type="datetimeFigureOut">
               <a:rPr lang="zh-CN" altLang="en-US" smtClean="0"/>
-              <a:t>2021/12/9</a:t>
+              <a:t>2021/12/10</a:t>
             </a:fld>
             <a:endParaRPr lang="zh-CN" altLang="en-US"/>
           </a:p>
@@ -2547,7 +2561,7 @@
           <a:p>
             <a:fld id="{86381CE1-67E0-431E-81A3-9642A9A14C73}" type="datetimeFigureOut">
               <a:rPr lang="zh-CN" altLang="en-US" smtClean="0"/>
-              <a:t>2021/12/9</a:t>
+              <a:t>2021/12/10</a:t>
             </a:fld>
             <a:endParaRPr lang="zh-CN" altLang="en-US"/>
           </a:p>
@@ -3114,6 +3128,1458 @@
           <a:chExt cx="0" cy="0"/>
         </a:xfrm>
       </p:grpSpPr>
+      <p:pic>
+        <p:nvPicPr>
+          <p:cNvPr id="4" name="图片 3"/>
+          <p:cNvPicPr>
+            <a:picLocks noChangeAspect="1"/>
+          </p:cNvPicPr>
+          <p:nvPr/>
+        </p:nvPicPr>
+        <p:blipFill>
+          <a:blip r:embed="rId2"/>
+          <a:stretch>
+            <a:fillRect/>
+          </a:stretch>
+        </p:blipFill>
+        <p:spPr>
+          <a:xfrm>
+            <a:off x="619127" y="2427735"/>
+            <a:ext cx="839013" cy="1235671"/>
+          </a:xfrm>
+          <a:prstGeom prst="rect">
+            <a:avLst/>
+          </a:prstGeom>
+        </p:spPr>
+      </p:pic>
+      <p:sp>
+        <p:nvSpPr>
+          <p:cNvPr id="5" name="右箭头 4"/>
+          <p:cNvSpPr/>
+          <p:nvPr/>
+        </p:nvSpPr>
+        <p:spPr>
+          <a:xfrm rot="19979124">
+            <a:off x="5468006" y="1826832"/>
+            <a:ext cx="908473" cy="340581"/>
+          </a:xfrm>
+          <a:prstGeom prst="rightArrow">
+            <a:avLst/>
+          </a:prstGeom>
+        </p:spPr>
+        <p:style>
+          <a:lnRef idx="2">
+            <a:schemeClr val="accent1">
+              <a:shade val="50000"/>
+            </a:schemeClr>
+          </a:lnRef>
+          <a:fillRef idx="1">
+            <a:schemeClr val="accent1"/>
+          </a:fillRef>
+          <a:effectRef idx="0">
+            <a:schemeClr val="accent1"/>
+          </a:effectRef>
+          <a:fontRef idx="minor">
+            <a:schemeClr val="lt1"/>
+          </a:fontRef>
+        </p:style>
+        <p:txBody>
+          <a:bodyPr rtlCol="0" anchor="ctr"/>
+          <a:lstStyle/>
+          <a:p>
+            <a:pPr algn="ctr"/>
+            <a:endParaRPr lang="zh-CN" altLang="en-US"/>
+          </a:p>
+        </p:txBody>
+      </p:sp>
+      <p:pic>
+        <p:nvPicPr>
+          <p:cNvPr id="6" name="图片 5"/>
+          <p:cNvPicPr>
+            <a:picLocks noChangeAspect="1"/>
+          </p:cNvPicPr>
+          <p:nvPr/>
+        </p:nvPicPr>
+        <p:blipFill>
+          <a:blip r:embed="rId3"/>
+          <a:stretch>
+            <a:fillRect/>
+          </a:stretch>
+        </p:blipFill>
+        <p:spPr>
+          <a:xfrm>
+            <a:off x="2129245" y="1990540"/>
+            <a:ext cx="1264968" cy="730659"/>
+          </a:xfrm>
+          <a:prstGeom prst="rect">
+            <a:avLst/>
+          </a:prstGeom>
+        </p:spPr>
+      </p:pic>
+      <p:sp>
+        <p:nvSpPr>
+          <p:cNvPr id="7" name="矩形 6"/>
+          <p:cNvSpPr/>
+          <p:nvPr/>
+        </p:nvSpPr>
+        <p:spPr>
+          <a:xfrm>
+            <a:off x="1529037" y="1894204"/>
+            <a:ext cx="529312" cy="923330"/>
+          </a:xfrm>
+          <a:prstGeom prst="rect">
+            <a:avLst/>
+          </a:prstGeom>
+          <a:noFill/>
+        </p:spPr>
+        <p:txBody>
+          <a:bodyPr wrap="none" lIns="91440" tIns="45720" rIns="91440" bIns="45720">
+            <a:spAutoFit/>
+          </a:bodyPr>
+          <a:lstStyle/>
+          <a:p>
+            <a:pPr algn="ctr"/>
+            <a:r>
+              <a:rPr lang="en-US" altLang="zh-CN" sz="5400" b="0" cap="none" spc="0" dirty="0" smtClean="0">
+                <a:ln w="0"/>
+                <a:solidFill>
+                  <a:schemeClr val="tx1"/>
+                </a:solidFill>
+                <a:effectLst>
+                  <a:outerShdw blurRad="38100" dist="19050" dir="2700000" algn="tl" rotWithShape="0">
+                    <a:schemeClr val="dk1">
+                      <a:alpha val="40000"/>
+                    </a:schemeClr>
+                  </a:outerShdw>
+                </a:effectLst>
+              </a:rPr>
+              <a:t>+</a:t>
+            </a:r>
+            <a:endParaRPr lang="zh-CN" altLang="en-US" sz="5400" b="0" cap="none" spc="0" dirty="0">
+              <a:ln w="0"/>
+              <a:solidFill>
+                <a:schemeClr val="tx1"/>
+              </a:solidFill>
+              <a:effectLst>
+                <a:outerShdw blurRad="38100" dist="19050" dir="2700000" algn="tl" rotWithShape="0">
+                  <a:schemeClr val="dk1">
+                    <a:alpha val="40000"/>
+                  </a:schemeClr>
+                </a:outerShdw>
+              </a:effectLst>
+            </a:endParaRPr>
+          </a:p>
+        </p:txBody>
+      </p:sp>
+      <p:pic>
+        <p:nvPicPr>
+          <p:cNvPr id="8" name="图片 7"/>
+          <p:cNvPicPr>
+            <a:picLocks noChangeAspect="1"/>
+          </p:cNvPicPr>
+          <p:nvPr/>
+        </p:nvPicPr>
+        <p:blipFill>
+          <a:blip r:embed="rId4"/>
+          <a:stretch>
+            <a:fillRect/>
+          </a:stretch>
+        </p:blipFill>
+        <p:spPr>
+          <a:xfrm>
+            <a:off x="2129245" y="3574472"/>
+            <a:ext cx="1274850" cy="825603"/>
+          </a:xfrm>
+          <a:prstGeom prst="rect">
+            <a:avLst/>
+          </a:prstGeom>
+        </p:spPr>
+      </p:pic>
+      <p:sp>
+        <p:nvSpPr>
+          <p:cNvPr id="9" name="矩形 8"/>
+          <p:cNvSpPr/>
+          <p:nvPr/>
+        </p:nvSpPr>
+        <p:spPr>
+          <a:xfrm>
+            <a:off x="1589336" y="3414178"/>
+            <a:ext cx="529312" cy="923330"/>
+          </a:xfrm>
+          <a:prstGeom prst="rect">
+            <a:avLst/>
+          </a:prstGeom>
+          <a:noFill/>
+        </p:spPr>
+        <p:txBody>
+          <a:bodyPr wrap="none" lIns="91440" tIns="45720" rIns="91440" bIns="45720">
+            <a:spAutoFit/>
+          </a:bodyPr>
+          <a:lstStyle/>
+          <a:p>
+            <a:pPr algn="ctr"/>
+            <a:r>
+              <a:rPr lang="en-US" altLang="zh-CN" sz="5400" b="0" cap="none" spc="0" dirty="0" smtClean="0">
+                <a:ln w="0"/>
+                <a:solidFill>
+                  <a:schemeClr val="tx1"/>
+                </a:solidFill>
+                <a:effectLst>
+                  <a:outerShdw blurRad="38100" dist="19050" dir="2700000" algn="tl" rotWithShape="0">
+                    <a:schemeClr val="dk1">
+                      <a:alpha val="40000"/>
+                    </a:schemeClr>
+                  </a:outerShdw>
+                </a:effectLst>
+              </a:rPr>
+              <a:t>+</a:t>
+            </a:r>
+            <a:endParaRPr lang="zh-CN" altLang="en-US" sz="5400" b="0" cap="none" spc="0" dirty="0">
+              <a:ln w="0"/>
+              <a:solidFill>
+                <a:schemeClr val="tx1"/>
+              </a:solidFill>
+              <a:effectLst>
+                <a:outerShdw blurRad="38100" dist="19050" dir="2700000" algn="tl" rotWithShape="0">
+                  <a:schemeClr val="dk1">
+                    <a:alpha val="40000"/>
+                  </a:schemeClr>
+                </a:outerShdw>
+              </a:effectLst>
+            </a:endParaRPr>
+          </a:p>
+        </p:txBody>
+      </p:sp>
+      <p:pic>
+        <p:nvPicPr>
+          <p:cNvPr id="10" name="图片 9"/>
+          <p:cNvPicPr>
+            <a:picLocks noChangeAspect="1"/>
+          </p:cNvPicPr>
+          <p:nvPr/>
+        </p:nvPicPr>
+        <p:blipFill>
+          <a:blip r:embed="rId5"/>
+          <a:stretch>
+            <a:fillRect/>
+          </a:stretch>
+        </p:blipFill>
+        <p:spPr>
+          <a:xfrm>
+            <a:off x="3975797" y="1989111"/>
+            <a:ext cx="1374316" cy="732088"/>
+          </a:xfrm>
+          <a:prstGeom prst="rect">
+            <a:avLst/>
+          </a:prstGeom>
+        </p:spPr>
+      </p:pic>
+      <p:sp>
+        <p:nvSpPr>
+          <p:cNvPr id="11" name="矩形 10"/>
+          <p:cNvSpPr/>
+          <p:nvPr/>
+        </p:nvSpPr>
+        <p:spPr>
+          <a:xfrm>
+            <a:off x="3420349" y="1893490"/>
+            <a:ext cx="529312" cy="923330"/>
+          </a:xfrm>
+          <a:prstGeom prst="rect">
+            <a:avLst/>
+          </a:prstGeom>
+          <a:noFill/>
+        </p:spPr>
+        <p:txBody>
+          <a:bodyPr wrap="none" lIns="91440" tIns="45720" rIns="91440" bIns="45720">
+            <a:spAutoFit/>
+          </a:bodyPr>
+          <a:lstStyle/>
+          <a:p>
+            <a:pPr algn="ctr"/>
+            <a:r>
+              <a:rPr lang="en-US" altLang="zh-CN" sz="5400" dirty="0">
+                <a:ln w="0"/>
+                <a:effectLst>
+                  <a:outerShdw blurRad="38100" dist="19050" dir="2700000" algn="tl" rotWithShape="0">
+                    <a:schemeClr val="dk1">
+                      <a:alpha val="40000"/>
+                    </a:schemeClr>
+                  </a:outerShdw>
+                </a:effectLst>
+              </a:rPr>
+              <a:t>=</a:t>
+            </a:r>
+            <a:endParaRPr lang="zh-CN" altLang="en-US" sz="5400" b="0" cap="none" spc="0" dirty="0">
+              <a:ln w="0"/>
+              <a:solidFill>
+                <a:schemeClr val="tx1"/>
+              </a:solidFill>
+              <a:effectLst>
+                <a:outerShdw blurRad="38100" dist="19050" dir="2700000" algn="tl" rotWithShape="0">
+                  <a:schemeClr val="dk1">
+                    <a:alpha val="40000"/>
+                  </a:schemeClr>
+                </a:outerShdw>
+              </a:effectLst>
+            </a:endParaRPr>
+          </a:p>
+        </p:txBody>
+      </p:sp>
+      <p:sp>
+        <p:nvSpPr>
+          <p:cNvPr id="12" name="矩形 11"/>
+          <p:cNvSpPr/>
+          <p:nvPr/>
+        </p:nvSpPr>
+        <p:spPr>
+          <a:xfrm>
+            <a:off x="3452219" y="3420138"/>
+            <a:ext cx="529312" cy="923330"/>
+          </a:xfrm>
+          <a:prstGeom prst="rect">
+            <a:avLst/>
+          </a:prstGeom>
+          <a:noFill/>
+        </p:spPr>
+        <p:txBody>
+          <a:bodyPr wrap="none" lIns="91440" tIns="45720" rIns="91440" bIns="45720">
+            <a:spAutoFit/>
+          </a:bodyPr>
+          <a:lstStyle/>
+          <a:p>
+            <a:pPr algn="ctr"/>
+            <a:r>
+              <a:rPr lang="en-US" altLang="zh-CN" sz="5400" dirty="0">
+                <a:ln w="0"/>
+                <a:effectLst>
+                  <a:outerShdw blurRad="38100" dist="19050" dir="2700000" algn="tl" rotWithShape="0">
+                    <a:schemeClr val="dk1">
+                      <a:alpha val="40000"/>
+                    </a:schemeClr>
+                  </a:outerShdw>
+                </a:effectLst>
+              </a:rPr>
+              <a:t>=</a:t>
+            </a:r>
+            <a:endParaRPr lang="zh-CN" altLang="en-US" sz="5400" b="0" cap="none" spc="0" dirty="0">
+              <a:ln w="0"/>
+              <a:solidFill>
+                <a:schemeClr val="tx1"/>
+              </a:solidFill>
+              <a:effectLst>
+                <a:outerShdw blurRad="38100" dist="19050" dir="2700000" algn="tl" rotWithShape="0">
+                  <a:schemeClr val="dk1">
+                    <a:alpha val="40000"/>
+                  </a:schemeClr>
+                </a:outerShdw>
+              </a:effectLst>
+            </a:endParaRPr>
+          </a:p>
+        </p:txBody>
+      </p:sp>
+      <p:pic>
+        <p:nvPicPr>
+          <p:cNvPr id="13" name="图片 12"/>
+          <p:cNvPicPr>
+            <a:picLocks noChangeAspect="1"/>
+          </p:cNvPicPr>
+          <p:nvPr/>
+        </p:nvPicPr>
+        <p:blipFill>
+          <a:blip r:embed="rId6"/>
+          <a:stretch>
+            <a:fillRect/>
+          </a:stretch>
+        </p:blipFill>
+        <p:spPr>
+          <a:xfrm flipH="1">
+            <a:off x="4030730" y="3537778"/>
+            <a:ext cx="1409488" cy="898990"/>
+          </a:xfrm>
+          <a:prstGeom prst="rect">
+            <a:avLst/>
+          </a:prstGeom>
+        </p:spPr>
+      </p:pic>
+      <p:sp>
+        <p:nvSpPr>
+          <p:cNvPr id="14" name="右箭头 13"/>
+          <p:cNvSpPr/>
+          <p:nvPr/>
+        </p:nvSpPr>
+        <p:spPr>
+          <a:xfrm rot="1420129">
+            <a:off x="5612616" y="4043871"/>
+            <a:ext cx="908473" cy="340581"/>
+          </a:xfrm>
+          <a:prstGeom prst="rightArrow">
+            <a:avLst/>
+          </a:prstGeom>
+        </p:spPr>
+        <p:style>
+          <a:lnRef idx="2">
+            <a:schemeClr val="accent1">
+              <a:shade val="50000"/>
+            </a:schemeClr>
+          </a:lnRef>
+          <a:fillRef idx="1">
+            <a:schemeClr val="accent1"/>
+          </a:fillRef>
+          <a:effectRef idx="0">
+            <a:schemeClr val="accent1"/>
+          </a:effectRef>
+          <a:fontRef idx="minor">
+            <a:schemeClr val="lt1"/>
+          </a:fontRef>
+        </p:style>
+        <p:txBody>
+          <a:bodyPr rtlCol="0" anchor="ctr"/>
+          <a:lstStyle/>
+          <a:p>
+            <a:pPr algn="ctr"/>
+            <a:endParaRPr lang="zh-CN" altLang="en-US"/>
+          </a:p>
+        </p:txBody>
+      </p:sp>
+      <p:pic>
+        <p:nvPicPr>
+          <p:cNvPr id="15" name="图片 14"/>
+          <p:cNvPicPr>
+            <a:picLocks noChangeAspect="1"/>
+          </p:cNvPicPr>
+          <p:nvPr/>
+        </p:nvPicPr>
+        <p:blipFill>
+          <a:blip r:embed="rId3"/>
+          <a:stretch>
+            <a:fillRect/>
+          </a:stretch>
+        </p:blipFill>
+        <p:spPr>
+          <a:xfrm>
+            <a:off x="6936772" y="637413"/>
+            <a:ext cx="1264968" cy="730659"/>
+          </a:xfrm>
+          <a:prstGeom prst="rect">
+            <a:avLst/>
+          </a:prstGeom>
+        </p:spPr>
+      </p:pic>
+      <p:sp>
+        <p:nvSpPr>
+          <p:cNvPr id="16" name="矩形 15"/>
+          <p:cNvSpPr/>
+          <p:nvPr/>
+        </p:nvSpPr>
+        <p:spPr>
+          <a:xfrm>
+            <a:off x="6336564" y="541077"/>
+            <a:ext cx="529312" cy="923330"/>
+          </a:xfrm>
+          <a:prstGeom prst="rect">
+            <a:avLst/>
+          </a:prstGeom>
+          <a:noFill/>
+        </p:spPr>
+        <p:txBody>
+          <a:bodyPr wrap="none" lIns="91440" tIns="45720" rIns="91440" bIns="45720">
+            <a:spAutoFit/>
+          </a:bodyPr>
+          <a:lstStyle/>
+          <a:p>
+            <a:pPr algn="ctr"/>
+            <a:r>
+              <a:rPr lang="en-US" altLang="zh-CN" sz="5400" b="0" cap="none" spc="0" dirty="0" smtClean="0">
+                <a:ln w="0"/>
+                <a:solidFill>
+                  <a:schemeClr val="tx1"/>
+                </a:solidFill>
+                <a:effectLst>
+                  <a:outerShdw blurRad="38100" dist="19050" dir="2700000" algn="tl" rotWithShape="0">
+                    <a:schemeClr val="dk1">
+                      <a:alpha val="40000"/>
+                    </a:schemeClr>
+                  </a:outerShdw>
+                </a:effectLst>
+              </a:rPr>
+              <a:t>+</a:t>
+            </a:r>
+            <a:endParaRPr lang="zh-CN" altLang="en-US" sz="5400" b="0" cap="none" spc="0" dirty="0">
+              <a:ln w="0"/>
+              <a:solidFill>
+                <a:schemeClr val="tx1"/>
+              </a:solidFill>
+              <a:effectLst>
+                <a:outerShdw blurRad="38100" dist="19050" dir="2700000" algn="tl" rotWithShape="0">
+                  <a:schemeClr val="dk1">
+                    <a:alpha val="40000"/>
+                  </a:schemeClr>
+                </a:outerShdw>
+              </a:effectLst>
+            </a:endParaRPr>
+          </a:p>
+        </p:txBody>
+      </p:sp>
+      <p:sp>
+        <p:nvSpPr>
+          <p:cNvPr id="17" name="矩形 16"/>
+          <p:cNvSpPr/>
+          <p:nvPr/>
+        </p:nvSpPr>
+        <p:spPr>
+          <a:xfrm>
+            <a:off x="8227876" y="540363"/>
+            <a:ext cx="529312" cy="923330"/>
+          </a:xfrm>
+          <a:prstGeom prst="rect">
+            <a:avLst/>
+          </a:prstGeom>
+          <a:noFill/>
+        </p:spPr>
+        <p:txBody>
+          <a:bodyPr wrap="none" lIns="91440" tIns="45720" rIns="91440" bIns="45720">
+            <a:spAutoFit/>
+          </a:bodyPr>
+          <a:lstStyle/>
+          <a:p>
+            <a:pPr algn="ctr"/>
+            <a:r>
+              <a:rPr lang="en-US" altLang="zh-CN" sz="5400" dirty="0">
+                <a:ln w="0"/>
+                <a:effectLst>
+                  <a:outerShdw blurRad="38100" dist="19050" dir="2700000" algn="tl" rotWithShape="0">
+                    <a:schemeClr val="dk1">
+                      <a:alpha val="40000"/>
+                    </a:schemeClr>
+                  </a:outerShdw>
+                </a:effectLst>
+              </a:rPr>
+              <a:t>=</a:t>
+            </a:r>
+            <a:endParaRPr lang="zh-CN" altLang="en-US" sz="5400" b="0" cap="none" spc="0" dirty="0">
+              <a:ln w="0"/>
+              <a:solidFill>
+                <a:schemeClr val="tx1"/>
+              </a:solidFill>
+              <a:effectLst>
+                <a:outerShdw blurRad="38100" dist="19050" dir="2700000" algn="tl" rotWithShape="0">
+                  <a:schemeClr val="dk1">
+                    <a:alpha val="40000"/>
+                  </a:schemeClr>
+                </a:outerShdw>
+              </a:effectLst>
+            </a:endParaRPr>
+          </a:p>
+        </p:txBody>
+      </p:sp>
+      <p:pic>
+        <p:nvPicPr>
+          <p:cNvPr id="18" name="图片 17"/>
+          <p:cNvPicPr>
+            <a:picLocks noChangeAspect="1"/>
+          </p:cNvPicPr>
+          <p:nvPr/>
+        </p:nvPicPr>
+        <p:blipFill>
+          <a:blip r:embed="rId3"/>
+          <a:stretch>
+            <a:fillRect/>
+          </a:stretch>
+        </p:blipFill>
+        <p:spPr>
+          <a:xfrm>
+            <a:off x="6962908" y="3510512"/>
+            <a:ext cx="1264968" cy="730659"/>
+          </a:xfrm>
+          <a:prstGeom prst="rect">
+            <a:avLst/>
+          </a:prstGeom>
+        </p:spPr>
+      </p:pic>
+      <p:sp>
+        <p:nvSpPr>
+          <p:cNvPr id="19" name="矩形 18"/>
+          <p:cNvSpPr/>
+          <p:nvPr/>
+        </p:nvSpPr>
+        <p:spPr>
+          <a:xfrm>
+            <a:off x="6362700" y="3414176"/>
+            <a:ext cx="529312" cy="923330"/>
+          </a:xfrm>
+          <a:prstGeom prst="rect">
+            <a:avLst/>
+          </a:prstGeom>
+          <a:noFill/>
+        </p:spPr>
+        <p:txBody>
+          <a:bodyPr wrap="none" lIns="91440" tIns="45720" rIns="91440" bIns="45720">
+            <a:spAutoFit/>
+          </a:bodyPr>
+          <a:lstStyle/>
+          <a:p>
+            <a:pPr algn="ctr"/>
+            <a:r>
+              <a:rPr lang="en-US" altLang="zh-CN" sz="5400" b="0" cap="none" spc="0" dirty="0" smtClean="0">
+                <a:ln w="0"/>
+                <a:solidFill>
+                  <a:schemeClr val="tx1"/>
+                </a:solidFill>
+                <a:effectLst>
+                  <a:outerShdw blurRad="38100" dist="19050" dir="2700000" algn="tl" rotWithShape="0">
+                    <a:schemeClr val="dk1">
+                      <a:alpha val="40000"/>
+                    </a:schemeClr>
+                  </a:outerShdw>
+                </a:effectLst>
+              </a:rPr>
+              <a:t>+</a:t>
+            </a:r>
+            <a:endParaRPr lang="zh-CN" altLang="en-US" sz="5400" b="0" cap="none" spc="0" dirty="0">
+              <a:ln w="0"/>
+              <a:solidFill>
+                <a:schemeClr val="tx1"/>
+              </a:solidFill>
+              <a:effectLst>
+                <a:outerShdw blurRad="38100" dist="19050" dir="2700000" algn="tl" rotWithShape="0">
+                  <a:schemeClr val="dk1">
+                    <a:alpha val="40000"/>
+                  </a:schemeClr>
+                </a:outerShdw>
+              </a:effectLst>
+            </a:endParaRPr>
+          </a:p>
+        </p:txBody>
+      </p:sp>
+      <p:sp>
+        <p:nvSpPr>
+          <p:cNvPr id="20" name="矩形 19"/>
+          <p:cNvSpPr/>
+          <p:nvPr/>
+        </p:nvSpPr>
+        <p:spPr>
+          <a:xfrm>
+            <a:off x="8254012" y="3413462"/>
+            <a:ext cx="529312" cy="923330"/>
+          </a:xfrm>
+          <a:prstGeom prst="rect">
+            <a:avLst/>
+          </a:prstGeom>
+          <a:noFill/>
+        </p:spPr>
+        <p:txBody>
+          <a:bodyPr wrap="none" lIns="91440" tIns="45720" rIns="91440" bIns="45720">
+            <a:spAutoFit/>
+          </a:bodyPr>
+          <a:lstStyle/>
+          <a:p>
+            <a:pPr algn="ctr"/>
+            <a:r>
+              <a:rPr lang="en-US" altLang="zh-CN" sz="5400" dirty="0">
+                <a:ln w="0"/>
+                <a:effectLst>
+                  <a:outerShdw blurRad="38100" dist="19050" dir="2700000" algn="tl" rotWithShape="0">
+                    <a:schemeClr val="dk1">
+                      <a:alpha val="40000"/>
+                    </a:schemeClr>
+                  </a:outerShdw>
+                </a:effectLst>
+              </a:rPr>
+              <a:t>=</a:t>
+            </a:r>
+            <a:endParaRPr lang="zh-CN" altLang="en-US" sz="5400" b="0" cap="none" spc="0" dirty="0">
+              <a:ln w="0"/>
+              <a:solidFill>
+                <a:schemeClr val="tx1"/>
+              </a:solidFill>
+              <a:effectLst>
+                <a:outerShdw blurRad="38100" dist="19050" dir="2700000" algn="tl" rotWithShape="0">
+                  <a:schemeClr val="dk1">
+                    <a:alpha val="40000"/>
+                  </a:schemeClr>
+                </a:outerShdw>
+              </a:effectLst>
+            </a:endParaRPr>
+          </a:p>
+        </p:txBody>
+      </p:sp>
+      <p:pic>
+        <p:nvPicPr>
+          <p:cNvPr id="21" name="图片 20"/>
+          <p:cNvPicPr>
+            <a:picLocks noChangeAspect="1"/>
+          </p:cNvPicPr>
+          <p:nvPr/>
+        </p:nvPicPr>
+        <p:blipFill>
+          <a:blip r:embed="rId4"/>
+          <a:stretch>
+            <a:fillRect/>
+          </a:stretch>
+        </p:blipFill>
+        <p:spPr>
+          <a:xfrm>
+            <a:off x="6926890" y="1639090"/>
+            <a:ext cx="1274850" cy="825603"/>
+          </a:xfrm>
+          <a:prstGeom prst="rect">
+            <a:avLst/>
+          </a:prstGeom>
+        </p:spPr>
+      </p:pic>
+      <p:sp>
+        <p:nvSpPr>
+          <p:cNvPr id="22" name="矩形 21"/>
+          <p:cNvSpPr/>
+          <p:nvPr/>
+        </p:nvSpPr>
+        <p:spPr>
+          <a:xfrm>
+            <a:off x="6336564" y="1458804"/>
+            <a:ext cx="529312" cy="923330"/>
+          </a:xfrm>
+          <a:prstGeom prst="rect">
+            <a:avLst/>
+          </a:prstGeom>
+          <a:noFill/>
+        </p:spPr>
+        <p:txBody>
+          <a:bodyPr wrap="none" lIns="91440" tIns="45720" rIns="91440" bIns="45720">
+            <a:spAutoFit/>
+          </a:bodyPr>
+          <a:lstStyle/>
+          <a:p>
+            <a:pPr algn="ctr"/>
+            <a:r>
+              <a:rPr lang="en-US" altLang="zh-CN" sz="5400" b="0" cap="none" spc="0" dirty="0" smtClean="0">
+                <a:ln w="0"/>
+                <a:solidFill>
+                  <a:schemeClr val="tx1"/>
+                </a:solidFill>
+                <a:effectLst>
+                  <a:outerShdw blurRad="38100" dist="19050" dir="2700000" algn="tl" rotWithShape="0">
+                    <a:schemeClr val="dk1">
+                      <a:alpha val="40000"/>
+                    </a:schemeClr>
+                  </a:outerShdw>
+                </a:effectLst>
+              </a:rPr>
+              <a:t>+</a:t>
+            </a:r>
+            <a:endParaRPr lang="zh-CN" altLang="en-US" sz="5400" b="0" cap="none" spc="0" dirty="0">
+              <a:ln w="0"/>
+              <a:solidFill>
+                <a:schemeClr val="tx1"/>
+              </a:solidFill>
+              <a:effectLst>
+                <a:outerShdw blurRad="38100" dist="19050" dir="2700000" algn="tl" rotWithShape="0">
+                  <a:schemeClr val="dk1">
+                    <a:alpha val="40000"/>
+                  </a:schemeClr>
+                </a:outerShdw>
+              </a:effectLst>
+            </a:endParaRPr>
+          </a:p>
+        </p:txBody>
+      </p:sp>
+      <p:sp>
+        <p:nvSpPr>
+          <p:cNvPr id="23" name="矩形 22"/>
+          <p:cNvSpPr/>
+          <p:nvPr/>
+        </p:nvSpPr>
+        <p:spPr>
+          <a:xfrm>
+            <a:off x="8249864" y="1484756"/>
+            <a:ext cx="529312" cy="923330"/>
+          </a:xfrm>
+          <a:prstGeom prst="rect">
+            <a:avLst/>
+          </a:prstGeom>
+          <a:noFill/>
+        </p:spPr>
+        <p:txBody>
+          <a:bodyPr wrap="none" lIns="91440" tIns="45720" rIns="91440" bIns="45720">
+            <a:spAutoFit/>
+          </a:bodyPr>
+          <a:lstStyle/>
+          <a:p>
+            <a:pPr algn="ctr"/>
+            <a:r>
+              <a:rPr lang="en-US" altLang="zh-CN" sz="5400" dirty="0">
+                <a:ln w="0"/>
+                <a:effectLst>
+                  <a:outerShdw blurRad="38100" dist="19050" dir="2700000" algn="tl" rotWithShape="0">
+                    <a:schemeClr val="dk1">
+                      <a:alpha val="40000"/>
+                    </a:schemeClr>
+                  </a:outerShdw>
+                </a:effectLst>
+              </a:rPr>
+              <a:t>=</a:t>
+            </a:r>
+            <a:endParaRPr lang="zh-CN" altLang="en-US" sz="5400" b="0" cap="none" spc="0" dirty="0">
+              <a:ln w="0"/>
+              <a:solidFill>
+                <a:schemeClr val="tx1"/>
+              </a:solidFill>
+              <a:effectLst>
+                <a:outerShdw blurRad="38100" dist="19050" dir="2700000" algn="tl" rotWithShape="0">
+                  <a:schemeClr val="dk1">
+                    <a:alpha val="40000"/>
+                  </a:schemeClr>
+                </a:outerShdw>
+              </a:effectLst>
+            </a:endParaRPr>
+          </a:p>
+        </p:txBody>
+      </p:sp>
+      <p:pic>
+        <p:nvPicPr>
+          <p:cNvPr id="24" name="图片 23"/>
+          <p:cNvPicPr>
+            <a:picLocks noChangeAspect="1"/>
+          </p:cNvPicPr>
+          <p:nvPr/>
+        </p:nvPicPr>
+        <p:blipFill>
+          <a:blip r:embed="rId4"/>
+          <a:stretch>
+            <a:fillRect/>
+          </a:stretch>
+        </p:blipFill>
+        <p:spPr>
+          <a:xfrm>
+            <a:off x="6953026" y="4657889"/>
+            <a:ext cx="1274850" cy="825603"/>
+          </a:xfrm>
+          <a:prstGeom prst="rect">
+            <a:avLst/>
+          </a:prstGeom>
+        </p:spPr>
+      </p:pic>
+      <p:sp>
+        <p:nvSpPr>
+          <p:cNvPr id="25" name="矩形 24"/>
+          <p:cNvSpPr/>
+          <p:nvPr/>
+        </p:nvSpPr>
+        <p:spPr>
+          <a:xfrm>
+            <a:off x="6413117" y="4497595"/>
+            <a:ext cx="529312" cy="923330"/>
+          </a:xfrm>
+          <a:prstGeom prst="rect">
+            <a:avLst/>
+          </a:prstGeom>
+          <a:noFill/>
+        </p:spPr>
+        <p:txBody>
+          <a:bodyPr wrap="none" lIns="91440" tIns="45720" rIns="91440" bIns="45720">
+            <a:spAutoFit/>
+          </a:bodyPr>
+          <a:lstStyle/>
+          <a:p>
+            <a:pPr algn="ctr"/>
+            <a:r>
+              <a:rPr lang="en-US" altLang="zh-CN" sz="5400" b="0" cap="none" spc="0" dirty="0" smtClean="0">
+                <a:ln w="0"/>
+                <a:solidFill>
+                  <a:schemeClr val="tx1"/>
+                </a:solidFill>
+                <a:effectLst>
+                  <a:outerShdw blurRad="38100" dist="19050" dir="2700000" algn="tl" rotWithShape="0">
+                    <a:schemeClr val="dk1">
+                      <a:alpha val="40000"/>
+                    </a:schemeClr>
+                  </a:outerShdw>
+                </a:effectLst>
+              </a:rPr>
+              <a:t>+</a:t>
+            </a:r>
+            <a:endParaRPr lang="zh-CN" altLang="en-US" sz="5400" b="0" cap="none" spc="0" dirty="0">
+              <a:ln w="0"/>
+              <a:solidFill>
+                <a:schemeClr val="tx1"/>
+              </a:solidFill>
+              <a:effectLst>
+                <a:outerShdw blurRad="38100" dist="19050" dir="2700000" algn="tl" rotWithShape="0">
+                  <a:schemeClr val="dk1">
+                    <a:alpha val="40000"/>
+                  </a:schemeClr>
+                </a:outerShdw>
+              </a:effectLst>
+            </a:endParaRPr>
+          </a:p>
+        </p:txBody>
+      </p:sp>
+      <p:sp>
+        <p:nvSpPr>
+          <p:cNvPr id="26" name="矩形 25"/>
+          <p:cNvSpPr/>
+          <p:nvPr/>
+        </p:nvSpPr>
+        <p:spPr>
+          <a:xfrm>
+            <a:off x="8276000" y="4503555"/>
+            <a:ext cx="529312" cy="923330"/>
+          </a:xfrm>
+          <a:prstGeom prst="rect">
+            <a:avLst/>
+          </a:prstGeom>
+          <a:noFill/>
+        </p:spPr>
+        <p:txBody>
+          <a:bodyPr wrap="none" lIns="91440" tIns="45720" rIns="91440" bIns="45720">
+            <a:spAutoFit/>
+          </a:bodyPr>
+          <a:lstStyle/>
+          <a:p>
+            <a:pPr algn="ctr"/>
+            <a:r>
+              <a:rPr lang="en-US" altLang="zh-CN" sz="5400" dirty="0">
+                <a:ln w="0"/>
+                <a:effectLst>
+                  <a:outerShdw blurRad="38100" dist="19050" dir="2700000" algn="tl" rotWithShape="0">
+                    <a:schemeClr val="dk1">
+                      <a:alpha val="40000"/>
+                    </a:schemeClr>
+                  </a:outerShdw>
+                </a:effectLst>
+              </a:rPr>
+              <a:t>=</a:t>
+            </a:r>
+            <a:endParaRPr lang="zh-CN" altLang="en-US" sz="5400" b="0" cap="none" spc="0" dirty="0">
+              <a:ln w="0"/>
+              <a:solidFill>
+                <a:schemeClr val="tx1"/>
+              </a:solidFill>
+              <a:effectLst>
+                <a:outerShdw blurRad="38100" dist="19050" dir="2700000" algn="tl" rotWithShape="0">
+                  <a:schemeClr val="dk1">
+                    <a:alpha val="40000"/>
+                  </a:schemeClr>
+                </a:outerShdw>
+              </a:effectLst>
+            </a:endParaRPr>
+          </a:p>
+        </p:txBody>
+      </p:sp>
+      <p:sp>
+        <p:nvSpPr>
+          <p:cNvPr id="27" name="文本框 26"/>
+          <p:cNvSpPr txBox="1"/>
+          <p:nvPr/>
+        </p:nvSpPr>
+        <p:spPr>
+          <a:xfrm>
+            <a:off x="4133697" y="4473223"/>
+            <a:ext cx="1107996" cy="369332"/>
+          </a:xfrm>
+          <a:prstGeom prst="rect">
+            <a:avLst/>
+          </a:prstGeom>
+          <a:noFill/>
+        </p:spPr>
+        <p:txBody>
+          <a:bodyPr wrap="none" rtlCol="0">
+            <a:spAutoFit/>
+          </a:bodyPr>
+          <a:lstStyle/>
+          <a:p>
+            <a:r>
+              <a:rPr lang="zh-CN" altLang="en-US" dirty="0" smtClean="0"/>
+              <a:t>普通中学</a:t>
+            </a:r>
+            <a:endParaRPr lang="zh-CN" altLang="en-US" dirty="0"/>
+          </a:p>
+        </p:txBody>
+      </p:sp>
+      <p:sp>
+        <p:nvSpPr>
+          <p:cNvPr id="28" name="文本框 27"/>
+          <p:cNvSpPr txBox="1"/>
+          <p:nvPr/>
+        </p:nvSpPr>
+        <p:spPr>
+          <a:xfrm>
+            <a:off x="4106647" y="1601552"/>
+            <a:ext cx="1107996" cy="369332"/>
+          </a:xfrm>
+          <a:prstGeom prst="rect">
+            <a:avLst/>
+          </a:prstGeom>
+          <a:noFill/>
+        </p:spPr>
+        <p:txBody>
+          <a:bodyPr wrap="none" rtlCol="0">
+            <a:spAutoFit/>
+          </a:bodyPr>
+          <a:lstStyle/>
+          <a:p>
+            <a:r>
+              <a:rPr lang="zh-CN" altLang="en-US" dirty="0" smtClean="0"/>
+              <a:t>重点中学</a:t>
+            </a:r>
+            <a:endParaRPr lang="zh-CN" altLang="en-US" dirty="0"/>
+          </a:p>
+        </p:txBody>
+      </p:sp>
+      <p:pic>
+        <p:nvPicPr>
+          <p:cNvPr id="1026" name="Picture 2" descr="查看源图像"/>
+          <p:cNvPicPr>
+            <a:picLocks noChangeAspect="1" noChangeArrowheads="1"/>
+          </p:cNvPicPr>
+          <p:nvPr/>
+        </p:nvPicPr>
+        <p:blipFill>
+          <a:blip r:embed="rId7" cstate="print">
+            <a:extLst>
+              <a:ext uri="{28A0092B-C50C-407E-A947-70E740481C1C}">
+                <a14:useLocalDpi xmlns:a14="http://schemas.microsoft.com/office/drawing/2010/main" val="0"/>
+              </a:ext>
+            </a:extLst>
+          </a:blip>
+          <a:srcRect/>
+          <a:stretch>
+            <a:fillRect/>
+          </a:stretch>
+        </p:blipFill>
+        <p:spPr bwMode="auto">
+          <a:xfrm>
+            <a:off x="8855187" y="1590226"/>
+            <a:ext cx="923330" cy="923330"/>
+          </a:xfrm>
+          <a:prstGeom prst="rect">
+            <a:avLst/>
+          </a:prstGeom>
+          <a:noFill/>
+          <a:extLst>
+            <a:ext uri="{909E8E84-426E-40DD-AFC4-6F175D3DCCD1}">
+              <a14:hiddenFill xmlns:a14="http://schemas.microsoft.com/office/drawing/2010/main">
+                <a:solidFill>
+                  <a:srgbClr val="FFFFFF"/>
+                </a:solidFill>
+              </a14:hiddenFill>
+            </a:ext>
+          </a:extLst>
+        </p:spPr>
+      </p:pic>
+      <p:pic>
+        <p:nvPicPr>
+          <p:cNvPr id="30" name="Picture 2" descr="查看源图像"/>
+          <p:cNvPicPr>
+            <a:picLocks noChangeAspect="1" noChangeArrowheads="1"/>
+          </p:cNvPicPr>
+          <p:nvPr/>
+        </p:nvPicPr>
+        <p:blipFill>
+          <a:blip r:embed="rId7" cstate="print">
+            <a:extLst>
+              <a:ext uri="{28A0092B-C50C-407E-A947-70E740481C1C}">
+                <a14:useLocalDpi xmlns:a14="http://schemas.microsoft.com/office/drawing/2010/main" val="0"/>
+              </a:ext>
+            </a:extLst>
+          </a:blip>
+          <a:srcRect/>
+          <a:stretch>
+            <a:fillRect/>
+          </a:stretch>
+        </p:blipFill>
+        <p:spPr bwMode="auto">
+          <a:xfrm>
+            <a:off x="8855187" y="3420138"/>
+            <a:ext cx="923330" cy="923330"/>
+          </a:xfrm>
+          <a:prstGeom prst="rect">
+            <a:avLst/>
+          </a:prstGeom>
+          <a:noFill/>
+          <a:extLst>
+            <a:ext uri="{909E8E84-426E-40DD-AFC4-6F175D3DCCD1}">
+              <a14:hiddenFill xmlns:a14="http://schemas.microsoft.com/office/drawing/2010/main">
+                <a:solidFill>
+                  <a:srgbClr val="FFFFFF"/>
+                </a:solidFill>
+              </a14:hiddenFill>
+            </a:ext>
+          </a:extLst>
+        </p:spPr>
+      </p:pic>
+      <p:sp>
+        <p:nvSpPr>
+          <p:cNvPr id="31" name="矩形 30"/>
+          <p:cNvSpPr/>
+          <p:nvPr/>
+        </p:nvSpPr>
+        <p:spPr>
+          <a:xfrm>
+            <a:off x="10047265" y="1740051"/>
+            <a:ext cx="957313" cy="461665"/>
+          </a:xfrm>
+          <a:prstGeom prst="rect">
+            <a:avLst/>
+          </a:prstGeom>
+          <a:noFill/>
+        </p:spPr>
+        <p:txBody>
+          <a:bodyPr wrap="none" lIns="91440" tIns="45720" rIns="91440" bIns="45720">
+            <a:spAutoFit/>
+          </a:bodyPr>
+          <a:lstStyle/>
+          <a:p>
+            <a:pPr algn="ctr"/>
+            <a:r>
+              <a:rPr lang="zh-CN" altLang="en-US" sz="2400" dirty="0" smtClean="0">
+                <a:ln w="0"/>
+                <a:effectLst>
+                  <a:outerShdw blurRad="38100" dist="19050" dir="2700000" algn="tl" rotWithShape="0">
+                    <a:schemeClr val="dk1">
+                      <a:alpha val="40000"/>
+                    </a:schemeClr>
+                  </a:outerShdw>
+                </a:effectLst>
+              </a:rPr>
+              <a:t>￥</a:t>
+            </a:r>
+            <a:r>
+              <a:rPr lang="en-US" altLang="zh-CN" sz="2400" dirty="0" smtClean="0">
+                <a:ln w="0"/>
+                <a:effectLst>
+                  <a:outerShdw blurRad="38100" dist="19050" dir="2700000" algn="tl" rotWithShape="0">
+                    <a:schemeClr val="dk1">
+                      <a:alpha val="40000"/>
+                    </a:schemeClr>
+                  </a:outerShdw>
+                </a:effectLst>
+              </a:rPr>
+              <a:t>+10</a:t>
+            </a:r>
+            <a:endParaRPr lang="zh-CN" altLang="en-US" sz="2400" b="0" cap="none" spc="0" dirty="0">
+              <a:ln w="0"/>
+              <a:solidFill>
+                <a:schemeClr val="tx1"/>
+              </a:solidFill>
+              <a:effectLst>
+                <a:outerShdw blurRad="38100" dist="19050" dir="2700000" algn="tl" rotWithShape="0">
+                  <a:schemeClr val="dk1">
+                    <a:alpha val="40000"/>
+                  </a:schemeClr>
+                </a:outerShdw>
+              </a:effectLst>
+            </a:endParaRPr>
+          </a:p>
+        </p:txBody>
+      </p:sp>
+      <p:sp>
+        <p:nvSpPr>
+          <p:cNvPr id="33" name="矩形 32"/>
+          <p:cNvSpPr/>
+          <p:nvPr/>
+        </p:nvSpPr>
+        <p:spPr>
+          <a:xfrm>
+            <a:off x="10047264" y="3700387"/>
+            <a:ext cx="957313" cy="461665"/>
+          </a:xfrm>
+          <a:prstGeom prst="rect">
+            <a:avLst/>
+          </a:prstGeom>
+          <a:noFill/>
+        </p:spPr>
+        <p:txBody>
+          <a:bodyPr wrap="none" lIns="91440" tIns="45720" rIns="91440" bIns="45720">
+            <a:spAutoFit/>
+          </a:bodyPr>
+          <a:lstStyle/>
+          <a:p>
+            <a:pPr algn="ctr"/>
+            <a:r>
+              <a:rPr lang="zh-CN" altLang="en-US" sz="2400" dirty="0" smtClean="0">
+                <a:ln w="0"/>
+                <a:effectLst>
+                  <a:outerShdw blurRad="38100" dist="19050" dir="2700000" algn="tl" rotWithShape="0">
+                    <a:schemeClr val="dk1">
+                      <a:alpha val="40000"/>
+                    </a:schemeClr>
+                  </a:outerShdw>
+                </a:effectLst>
+              </a:rPr>
+              <a:t>￥</a:t>
+            </a:r>
+            <a:r>
+              <a:rPr lang="en-US" altLang="zh-CN" sz="2400" dirty="0" smtClean="0">
+                <a:ln w="0"/>
+                <a:effectLst>
+                  <a:outerShdw blurRad="38100" dist="19050" dir="2700000" algn="tl" rotWithShape="0">
+                    <a:schemeClr val="dk1">
+                      <a:alpha val="40000"/>
+                    </a:schemeClr>
+                  </a:outerShdw>
+                </a:effectLst>
+              </a:rPr>
+              <a:t>+10</a:t>
+            </a:r>
+            <a:endParaRPr lang="zh-CN" altLang="en-US" sz="2400" b="0" cap="none" spc="0" dirty="0">
+              <a:ln w="0"/>
+              <a:solidFill>
+                <a:schemeClr val="tx1"/>
+              </a:solidFill>
+              <a:effectLst>
+                <a:outerShdw blurRad="38100" dist="19050" dir="2700000" algn="tl" rotWithShape="0">
+                  <a:schemeClr val="dk1">
+                    <a:alpha val="40000"/>
+                  </a:schemeClr>
+                </a:outerShdw>
+              </a:effectLst>
+            </a:endParaRPr>
+          </a:p>
+        </p:txBody>
+      </p:sp>
+      <p:pic>
+        <p:nvPicPr>
+          <p:cNvPr id="1028" name="Picture 4" descr="查看源图像"/>
+          <p:cNvPicPr>
+            <a:picLocks noChangeAspect="1" noChangeArrowheads="1"/>
+          </p:cNvPicPr>
+          <p:nvPr/>
+        </p:nvPicPr>
+        <p:blipFill>
+          <a:blip r:embed="rId8" cstate="print">
+            <a:extLst>
+              <a:ext uri="{28A0092B-C50C-407E-A947-70E740481C1C}">
+                <a14:useLocalDpi xmlns:a14="http://schemas.microsoft.com/office/drawing/2010/main" val="0"/>
+              </a:ext>
+            </a:extLst>
+          </a:blip>
+          <a:srcRect/>
+          <a:stretch>
+            <a:fillRect/>
+          </a:stretch>
+        </p:blipFill>
+        <p:spPr bwMode="auto">
+          <a:xfrm>
+            <a:off x="8894566" y="598058"/>
+            <a:ext cx="807940" cy="807940"/>
+          </a:xfrm>
+          <a:prstGeom prst="rect">
+            <a:avLst/>
+          </a:prstGeom>
+          <a:noFill/>
+          <a:extLst>
+            <a:ext uri="{909E8E84-426E-40DD-AFC4-6F175D3DCCD1}">
+              <a14:hiddenFill xmlns:a14="http://schemas.microsoft.com/office/drawing/2010/main">
+                <a:solidFill>
+                  <a:srgbClr val="FFFFFF"/>
+                </a:solidFill>
+              </a14:hiddenFill>
+            </a:ext>
+          </a:extLst>
+        </p:spPr>
+      </p:pic>
+      <p:sp>
+        <p:nvSpPr>
+          <p:cNvPr id="35" name="矩形 34"/>
+          <p:cNvSpPr/>
+          <p:nvPr/>
+        </p:nvSpPr>
+        <p:spPr>
+          <a:xfrm>
+            <a:off x="9969517" y="759883"/>
+            <a:ext cx="1112805" cy="461665"/>
+          </a:xfrm>
+          <a:prstGeom prst="rect">
+            <a:avLst/>
+          </a:prstGeom>
+          <a:noFill/>
+        </p:spPr>
+        <p:txBody>
+          <a:bodyPr wrap="none" lIns="91440" tIns="45720" rIns="91440" bIns="45720">
+            <a:spAutoFit/>
+          </a:bodyPr>
+          <a:lstStyle/>
+          <a:p>
+            <a:pPr algn="ctr"/>
+            <a:r>
+              <a:rPr lang="zh-CN" altLang="en-US" sz="2400" dirty="0" smtClean="0">
+                <a:ln w="0"/>
+                <a:effectLst>
+                  <a:outerShdw blurRad="38100" dist="19050" dir="2700000" algn="tl" rotWithShape="0">
+                    <a:schemeClr val="dk1">
+                      <a:alpha val="40000"/>
+                    </a:schemeClr>
+                  </a:outerShdw>
+                </a:effectLst>
+              </a:rPr>
+              <a:t>￥</a:t>
+            </a:r>
+            <a:r>
+              <a:rPr lang="en-US" altLang="zh-CN" sz="2400" dirty="0" smtClean="0">
+                <a:ln w="0"/>
+                <a:effectLst>
+                  <a:outerShdw blurRad="38100" dist="19050" dir="2700000" algn="tl" rotWithShape="0">
+                    <a:schemeClr val="dk1">
+                      <a:alpha val="40000"/>
+                    </a:schemeClr>
+                  </a:outerShdw>
+                </a:effectLst>
+              </a:rPr>
+              <a:t>+100</a:t>
+            </a:r>
+            <a:endParaRPr lang="zh-CN" altLang="en-US" sz="2400" b="0" cap="none" spc="0" dirty="0">
+              <a:ln w="0"/>
+              <a:solidFill>
+                <a:schemeClr val="tx1"/>
+              </a:solidFill>
+              <a:effectLst>
+                <a:outerShdw blurRad="38100" dist="19050" dir="2700000" algn="tl" rotWithShape="0">
+                  <a:schemeClr val="dk1">
+                    <a:alpha val="40000"/>
+                  </a:schemeClr>
+                </a:outerShdw>
+              </a:effectLst>
+            </a:endParaRPr>
+          </a:p>
+        </p:txBody>
+      </p:sp>
+      <p:pic>
+        <p:nvPicPr>
+          <p:cNvPr id="1030" name="Picture 6" descr="查看源图像"/>
+          <p:cNvPicPr>
+            <a:picLocks noChangeAspect="1" noChangeArrowheads="1"/>
+          </p:cNvPicPr>
+          <p:nvPr/>
+        </p:nvPicPr>
+        <p:blipFill>
+          <a:blip r:embed="rId9">
+            <a:extLst>
+              <a:ext uri="{28A0092B-C50C-407E-A947-70E740481C1C}">
+                <a14:useLocalDpi xmlns:a14="http://schemas.microsoft.com/office/drawing/2010/main" val="0"/>
+              </a:ext>
+            </a:extLst>
+          </a:blip>
+          <a:srcRect/>
+          <a:stretch>
+            <a:fillRect/>
+          </a:stretch>
+        </p:blipFill>
+        <p:spPr bwMode="auto">
+          <a:xfrm>
+            <a:off x="8853436" y="4568303"/>
+            <a:ext cx="1004774" cy="1004774"/>
+          </a:xfrm>
+          <a:prstGeom prst="rect">
+            <a:avLst/>
+          </a:prstGeom>
+          <a:noFill/>
+          <a:extLst>
+            <a:ext uri="{909E8E84-426E-40DD-AFC4-6F175D3DCCD1}">
+              <a14:hiddenFill xmlns:a14="http://schemas.microsoft.com/office/drawing/2010/main">
+                <a:solidFill>
+                  <a:srgbClr val="FFFFFF"/>
+                </a:solidFill>
+              </a14:hiddenFill>
+            </a:ext>
+          </a:extLst>
+        </p:spPr>
+      </p:pic>
+      <p:sp>
+        <p:nvSpPr>
+          <p:cNvPr id="37" name="矩形 36"/>
+          <p:cNvSpPr/>
+          <p:nvPr/>
+        </p:nvSpPr>
+        <p:spPr>
+          <a:xfrm>
+            <a:off x="10181841" y="4728427"/>
+            <a:ext cx="898003" cy="461665"/>
+          </a:xfrm>
+          <a:prstGeom prst="rect">
+            <a:avLst/>
+          </a:prstGeom>
+          <a:noFill/>
+        </p:spPr>
+        <p:txBody>
+          <a:bodyPr wrap="none" lIns="91440" tIns="45720" rIns="91440" bIns="45720">
+            <a:spAutoFit/>
+          </a:bodyPr>
+          <a:lstStyle/>
+          <a:p>
+            <a:pPr algn="ctr"/>
+            <a:r>
+              <a:rPr lang="zh-CN" altLang="en-US" sz="2400" dirty="0" smtClean="0">
+                <a:ln w="0"/>
+                <a:effectLst>
+                  <a:outerShdw blurRad="38100" dist="19050" dir="2700000" algn="tl" rotWithShape="0">
+                    <a:schemeClr val="dk1">
+                      <a:alpha val="40000"/>
+                    </a:schemeClr>
+                  </a:outerShdw>
+                </a:effectLst>
+              </a:rPr>
+              <a:t>￥</a:t>
+            </a:r>
+            <a:r>
+              <a:rPr lang="en-US" altLang="zh-CN" sz="2400" dirty="0" smtClean="0">
+                <a:ln w="0"/>
+                <a:effectLst>
+                  <a:outerShdw blurRad="38100" dist="19050" dir="2700000" algn="tl" rotWithShape="0">
+                    <a:schemeClr val="dk1">
+                      <a:alpha val="40000"/>
+                    </a:schemeClr>
+                  </a:outerShdw>
+                </a:effectLst>
+              </a:rPr>
+              <a:t>-50</a:t>
+            </a:r>
+            <a:endParaRPr lang="zh-CN" altLang="en-US" sz="2400" b="0" cap="none" spc="0" dirty="0">
+              <a:ln w="0"/>
+              <a:solidFill>
+                <a:schemeClr val="tx1"/>
+              </a:solidFill>
+              <a:effectLst>
+                <a:outerShdw blurRad="38100" dist="19050" dir="2700000" algn="tl" rotWithShape="0">
+                  <a:schemeClr val="dk1">
+                    <a:alpha val="40000"/>
+                  </a:schemeClr>
+                </a:outerShdw>
+              </a:effectLst>
+            </a:endParaRPr>
+          </a:p>
+        </p:txBody>
+      </p:sp>
+    </p:spTree>
+    <p:extLst>
+      <p:ext uri="{BB962C8B-B14F-4D97-AF65-F5344CB8AC3E}">
+        <p14:creationId xmlns:p14="http://schemas.microsoft.com/office/powerpoint/2010/main" val="545343695"/>
+      </p:ext>
+    </p:extLst>
+  </p:cSld>
+  <p:clrMapOvr>
+    <a:masterClrMapping/>
+  </p:clrMapOvr>
+</p:sld>
+</file>
+
+<file path=ppt/slides/slide4.xml><?xml version="1.0" encoding="utf-8"?>
+<p:sld xmlns:a="http://schemas.openxmlformats.org/drawingml/2006/main" xmlns:r="http://schemas.openxmlformats.org/officeDocument/2006/relationships" xmlns:p="http://schemas.openxmlformats.org/presentationml/2006/main">
+  <p:cSld>
+    <p:spTree>
+      <p:nvGrpSpPr>
+        <p:cNvPr id="1" name=""/>
+        <p:cNvGrpSpPr/>
+        <p:nvPr/>
+      </p:nvGrpSpPr>
+      <p:grpSpPr>
+        <a:xfrm>
+          <a:off x="0" y="0"/>
+          <a:ext cx="0" cy="0"/>
+          <a:chOff x="0" y="0"/>
+          <a:chExt cx="0" cy="0"/>
+        </a:xfrm>
+      </p:grpSpPr>
       <p:sp>
         <p:nvSpPr>
           <p:cNvPr id="5" name="矩形 4"/>
@@ -3194,6 +4660,167 @@
                 <a:latin typeface="-apple-system"/>
               </a:rPr>
               <a:t>)</a:t>
+            </a:r>
+            <a:endParaRPr lang="zh-CN" altLang="en-US" dirty="0"/>
+          </a:p>
+        </p:txBody>
+      </p:sp>
+      <p:sp>
+        <p:nvSpPr>
+          <p:cNvPr id="2" name="文本框 1"/>
+          <p:cNvSpPr txBox="1"/>
+          <p:nvPr/>
+        </p:nvSpPr>
+        <p:spPr>
+          <a:xfrm>
+            <a:off x="822507" y="1252083"/>
+            <a:ext cx="7571303" cy="369332"/>
+          </a:xfrm>
+          <a:prstGeom prst="rect">
+            <a:avLst/>
+          </a:prstGeom>
+          <a:noFill/>
+        </p:spPr>
+        <p:txBody>
+          <a:bodyPr wrap="none" rtlCol="0">
+            <a:spAutoFit/>
+          </a:bodyPr>
+          <a:lstStyle/>
+          <a:p>
+            <a:r>
+              <a:rPr lang="zh-CN" altLang="en-US" dirty="0" smtClean="0"/>
+              <a:t>马尔科夫性：系统的下一个状态仅与当前状态有关，与之前的状态无关。</a:t>
+            </a:r>
+            <a:endParaRPr lang="zh-CN" altLang="en-US" dirty="0"/>
+          </a:p>
+        </p:txBody>
+      </p:sp>
+      <p:sp>
+        <p:nvSpPr>
+          <p:cNvPr id="3" name="矩形 2"/>
+          <p:cNvSpPr/>
+          <p:nvPr/>
+        </p:nvSpPr>
+        <p:spPr>
+          <a:xfrm>
+            <a:off x="2656114" y="1911592"/>
+            <a:ext cx="6096000" cy="3139321"/>
+          </a:xfrm>
+          <a:prstGeom prst="rect">
+            <a:avLst/>
+          </a:prstGeom>
+        </p:spPr>
+        <p:txBody>
+          <a:bodyPr>
+            <a:spAutoFit/>
+          </a:bodyPr>
+          <a:lstStyle/>
+          <a:p>
+            <a:r>
+              <a:rPr lang="zh-CN" altLang="en-US" dirty="0"/>
+              <a:t>马尔可夫决策过程定义为</a:t>
+            </a:r>
+            <a:r>
+              <a:rPr lang="zh-CN" altLang="en-US" dirty="0" smtClean="0"/>
+              <a:t>：</a:t>
+            </a:r>
+            <a:r>
+              <a:rPr lang="en-US" altLang="zh-CN" dirty="0"/>
+              <a:t>&lt;</a:t>
+            </a:r>
+            <a:r>
+              <a:rPr lang="zh-CN" altLang="en-US" dirty="0" smtClean="0"/>
+              <a:t>S</a:t>
+            </a:r>
+            <a:r>
+              <a:rPr lang="zh-CN" altLang="en-US" dirty="0"/>
+              <a:t>, A, P, R, </a:t>
+            </a:r>
+            <a:r>
+              <a:rPr lang="zh-CN" altLang="en-US" dirty="0" smtClean="0"/>
+              <a:t>γ</a:t>
+            </a:r>
+            <a:r>
+              <a:rPr lang="en-US" altLang="zh-CN" dirty="0" smtClean="0"/>
+              <a:t>&gt;</a:t>
+            </a:r>
+            <a:endParaRPr lang="zh-CN" altLang="en-US" dirty="0"/>
+          </a:p>
+          <a:p>
+            <a:endParaRPr lang="zh-CN" altLang="en-US" dirty="0"/>
+          </a:p>
+          <a:p>
+            <a:r>
+              <a:rPr lang="zh-CN" altLang="en-US" dirty="0"/>
+              <a:t>S</a:t>
+            </a:r>
+            <a:r>
+              <a:rPr lang="zh-CN" altLang="en-US" dirty="0" smtClean="0"/>
+              <a:t>：状态</a:t>
+            </a:r>
+            <a:r>
+              <a:rPr lang="zh-CN" altLang="en-US" dirty="0"/>
+              <a:t>集</a:t>
+            </a:r>
+          </a:p>
+          <a:p>
+            <a:endParaRPr lang="zh-CN" altLang="en-US" dirty="0"/>
+          </a:p>
+          <a:p>
+            <a:r>
+              <a:rPr lang="zh-CN" altLang="en-US" dirty="0" smtClean="0"/>
+              <a:t>A：</a:t>
+            </a:r>
+            <a:r>
+              <a:rPr lang="en-US" altLang="zh-CN" dirty="0" smtClean="0"/>
+              <a:t>(</a:t>
+            </a:r>
+            <a:r>
+              <a:rPr lang="zh-CN" altLang="en-US" dirty="0" smtClean="0"/>
+              <a:t>有限</a:t>
+            </a:r>
+            <a:r>
+              <a:rPr lang="en-US" altLang="zh-CN" dirty="0" smtClean="0"/>
+              <a:t>)</a:t>
+            </a:r>
+            <a:r>
+              <a:rPr lang="zh-CN" altLang="en-US" dirty="0" smtClean="0"/>
+              <a:t>动作</a:t>
+            </a:r>
+            <a:r>
+              <a:rPr lang="zh-CN" altLang="en-US" dirty="0"/>
+              <a:t>集</a:t>
+            </a:r>
+          </a:p>
+          <a:p>
+            <a:endParaRPr lang="zh-CN" altLang="en-US" dirty="0"/>
+          </a:p>
+          <a:p>
+            <a:r>
+              <a:rPr lang="zh-CN" altLang="en-US" dirty="0"/>
+              <a:t>P：状态转移概率</a:t>
+            </a:r>
+          </a:p>
+          <a:p>
+            <a:endParaRPr lang="zh-CN" altLang="en-US" dirty="0"/>
+          </a:p>
+          <a:p>
+            <a:r>
+              <a:rPr lang="zh-CN" altLang="en-US" dirty="0"/>
+              <a:t>R：回报函数</a:t>
+            </a:r>
+          </a:p>
+          <a:p>
+            <a:endParaRPr lang="zh-CN" altLang="en-US" dirty="0"/>
+          </a:p>
+          <a:p>
+            <a:r>
+              <a:rPr lang="zh-CN" altLang="en-US" dirty="0"/>
+              <a:t>γ：折扣</a:t>
+            </a:r>
+            <a:r>
+              <a:rPr lang="zh-CN" altLang="en-US" dirty="0" smtClean="0"/>
+              <a:t>因子</a:t>
             </a:r>
             <a:endParaRPr lang="zh-CN" altLang="en-US" dirty="0"/>
           </a:p>
@@ -3212,7 +4839,7 @@
 </p:sld>
 </file>
 
-<file path=ppt/slides/slide4.xml><?xml version="1.0" encoding="utf-8"?>
+<file path=ppt/slides/slide5.xml><?xml version="1.0" encoding="utf-8"?>
 <p:sld xmlns:a="http://schemas.openxmlformats.org/drawingml/2006/main" xmlns:r="http://schemas.openxmlformats.org/officeDocument/2006/relationships" xmlns:p="http://schemas.openxmlformats.org/presentationml/2006/main">
   <p:cSld>
     <p:spTree>
@@ -3299,7 +4926,7 @@
 </p:sld>
 </file>
 
-<file path=ppt/slides/slide5.xml><?xml version="1.0" encoding="utf-8"?>
+<file path=ppt/slides/slide6.xml><?xml version="1.0" encoding="utf-8"?>
 <p:sld xmlns:a="http://schemas.openxmlformats.org/drawingml/2006/main" xmlns:r="http://schemas.openxmlformats.org/officeDocument/2006/relationships" xmlns:p="http://schemas.openxmlformats.org/presentationml/2006/main">
   <p:cSld>
     <p:spTree>
@@ -3316,46 +4943,9 @@
           <a:chExt cx="0" cy="0"/>
         </a:xfrm>
       </p:grpSpPr>
-      <p:sp>
-        <p:nvSpPr>
-          <p:cNvPr id="5" name="文本框 4"/>
-          <p:cNvSpPr txBox="1"/>
-          <p:nvPr/>
-        </p:nvSpPr>
-        <p:spPr>
-          <a:xfrm>
-            <a:off x="805353" y="692332"/>
-            <a:ext cx="1475917" cy="369332"/>
-          </a:xfrm>
-          <a:prstGeom prst="rect">
-            <a:avLst/>
-          </a:prstGeom>
-          <a:noFill/>
-        </p:spPr>
-        <p:txBody>
-          <a:bodyPr wrap="none" rtlCol="0">
-            <a:spAutoFit/>
-          </a:bodyPr>
-          <a:lstStyle/>
-          <a:p>
-            <a:r>
-              <a:rPr lang="en-US" altLang="zh-CN" dirty="0" err="1"/>
-              <a:t>Sarsa</a:t>
-            </a:r>
-            <a:r>
-              <a:rPr lang="en-US" altLang="zh-CN" dirty="0"/>
-              <a:t>  </a:t>
-            </a:r>
-            <a:r>
-              <a:rPr lang="zh-CN" altLang="en-US" dirty="0"/>
-              <a:t>伪代码</a:t>
-            </a:r>
-          </a:p>
-        </p:txBody>
-      </p:sp>
       <p:pic>
         <p:nvPicPr>
-          <p:cNvPr id="2" name="图片 1"/>
+          <p:cNvPr id="4" name="图片 3"/>
           <p:cNvPicPr>
             <a:picLocks noChangeAspect="1"/>
           </p:cNvPicPr>
@@ -3369,8 +4959,223 @@
         </p:blipFill>
         <p:spPr>
           <a:xfrm>
-            <a:off x="805353" y="1401723"/>
-            <a:ext cx="10833653" cy="4417335"/>
+            <a:off x="811296" y="313422"/>
+            <a:ext cx="5219862" cy="2870924"/>
+          </a:xfrm>
+          <a:prstGeom prst="rect">
+            <a:avLst/>
+          </a:prstGeom>
+        </p:spPr>
+      </p:pic>
+      <p:pic>
+        <p:nvPicPr>
+          <p:cNvPr id="5" name="图片 4"/>
+          <p:cNvPicPr>
+            <a:picLocks noChangeAspect="1"/>
+          </p:cNvPicPr>
+          <p:nvPr/>
+        </p:nvPicPr>
+        <p:blipFill>
+          <a:blip r:embed="rId3"/>
+          <a:stretch>
+            <a:fillRect/>
+          </a:stretch>
+        </p:blipFill>
+        <p:spPr>
+          <a:xfrm>
+            <a:off x="6031158" y="313422"/>
+            <a:ext cx="5380952" cy="2914286"/>
+          </a:xfrm>
+          <a:prstGeom prst="rect">
+            <a:avLst/>
+          </a:prstGeom>
+        </p:spPr>
+      </p:pic>
+      <p:pic>
+        <p:nvPicPr>
+          <p:cNvPr id="6" name="图片 5"/>
+          <p:cNvPicPr>
+            <a:picLocks noChangeAspect="1"/>
+          </p:cNvPicPr>
+          <p:nvPr/>
+        </p:nvPicPr>
+        <p:blipFill>
+          <a:blip r:embed="rId4"/>
+          <a:stretch>
+            <a:fillRect/>
+          </a:stretch>
+        </p:blipFill>
+        <p:spPr>
+          <a:xfrm>
+            <a:off x="6588056" y="3184346"/>
+            <a:ext cx="3300526" cy="2509388"/>
+          </a:xfrm>
+          <a:prstGeom prst="rect">
+            <a:avLst/>
+          </a:prstGeom>
+        </p:spPr>
+      </p:pic>
+      <p:pic>
+        <p:nvPicPr>
+          <p:cNvPr id="7" name="图片 6"/>
+          <p:cNvPicPr>
+            <a:picLocks noChangeAspect="1"/>
+          </p:cNvPicPr>
+          <p:nvPr/>
+        </p:nvPicPr>
+        <p:blipFill>
+          <a:blip r:embed="rId5"/>
+          <a:stretch>
+            <a:fillRect/>
+          </a:stretch>
+        </p:blipFill>
+        <p:spPr>
+          <a:xfrm>
+            <a:off x="1112720" y="3184346"/>
+            <a:ext cx="4034232" cy="2509388"/>
+          </a:xfrm>
+          <a:prstGeom prst="rect">
+            <a:avLst/>
+          </a:prstGeom>
+        </p:spPr>
+      </p:pic>
+      <p:sp>
+        <p:nvSpPr>
+          <p:cNvPr id="8" name="文本框 7"/>
+          <p:cNvSpPr txBox="1"/>
+          <p:nvPr/>
+        </p:nvSpPr>
+        <p:spPr>
+          <a:xfrm>
+            <a:off x="139337" y="6131620"/>
+            <a:ext cx="2736647" cy="646331"/>
+          </a:xfrm>
+          <a:prstGeom prst="rect">
+            <a:avLst/>
+          </a:prstGeom>
+          <a:noFill/>
+        </p:spPr>
+        <p:txBody>
+          <a:bodyPr wrap="none" rtlCol="0">
+            <a:spAutoFit/>
+          </a:bodyPr>
+          <a:lstStyle/>
+          <a:p>
+            <a:r>
+              <a:rPr lang="en-US" altLang="zh-CN" dirty="0" smtClean="0"/>
+              <a:t>show</a:t>
+            </a:r>
+          </a:p>
+          <a:p>
+            <a:r>
+              <a:rPr lang="en-US" altLang="zh-CN" dirty="0" smtClean="0"/>
+              <a:t>Q_Learning_demo1</a:t>
+            </a:r>
+            <a:r>
+              <a:rPr lang="zh-CN" altLang="en-US" dirty="0" smtClean="0"/>
+              <a:t>、</a:t>
+            </a:r>
+            <a:r>
+              <a:rPr lang="en-US" altLang="zh-CN" dirty="0" smtClean="0"/>
+              <a:t>2</a:t>
+            </a:r>
+            <a:r>
+              <a:rPr lang="zh-CN" altLang="en-US" dirty="0" smtClean="0"/>
+              <a:t>、</a:t>
+            </a:r>
+            <a:r>
+              <a:rPr lang="en-US" altLang="zh-CN" dirty="0"/>
+              <a:t>3</a:t>
+            </a:r>
+            <a:endParaRPr lang="en-US" altLang="zh-CN" dirty="0" smtClean="0"/>
+          </a:p>
+        </p:txBody>
+      </p:sp>
+    </p:spTree>
+    <p:extLst>
+      <p:ext uri="{BB962C8B-B14F-4D97-AF65-F5344CB8AC3E}">
+        <p14:creationId xmlns:p14="http://schemas.microsoft.com/office/powerpoint/2010/main" val="3853279836"/>
+      </p:ext>
+    </p:extLst>
+  </p:cSld>
+  <p:clrMapOvr>
+    <a:masterClrMapping/>
+  </p:clrMapOvr>
+</p:sld>
+</file>
+
+<file path=ppt/slides/slide7.xml><?xml version="1.0" encoding="utf-8"?>
+<p:sld xmlns:a="http://schemas.openxmlformats.org/drawingml/2006/main" xmlns:r="http://schemas.openxmlformats.org/officeDocument/2006/relationships" xmlns:p="http://schemas.openxmlformats.org/presentationml/2006/main">
+  <p:cSld>
+    <p:spTree>
+      <p:nvGrpSpPr>
+        <p:cNvPr id="1" name=""/>
+        <p:cNvGrpSpPr/>
+        <p:nvPr/>
+      </p:nvGrpSpPr>
+      <p:grpSpPr>
+        <a:xfrm>
+          <a:off x="0" y="0"/>
+          <a:ext cx="0" cy="0"/>
+          <a:chOff x="0" y="0"/>
+          <a:chExt cx="0" cy="0"/>
+        </a:xfrm>
+      </p:grpSpPr>
+      <p:sp>
+        <p:nvSpPr>
+          <p:cNvPr id="5" name="文本框 4"/>
+          <p:cNvSpPr txBox="1"/>
+          <p:nvPr/>
+        </p:nvSpPr>
+        <p:spPr>
+          <a:xfrm>
+            <a:off x="805353" y="692332"/>
+            <a:ext cx="1475917" cy="369332"/>
+          </a:xfrm>
+          <a:prstGeom prst="rect">
+            <a:avLst/>
+          </a:prstGeom>
+          <a:noFill/>
+        </p:spPr>
+        <p:txBody>
+          <a:bodyPr wrap="none" rtlCol="0">
+            <a:spAutoFit/>
+          </a:bodyPr>
+          <a:lstStyle/>
+          <a:p>
+            <a:r>
+              <a:rPr lang="en-US" altLang="zh-CN" dirty="0" err="1"/>
+              <a:t>Sarsa</a:t>
+            </a:r>
+            <a:r>
+              <a:rPr lang="en-US" altLang="zh-CN" dirty="0"/>
+              <a:t>  </a:t>
+            </a:r>
+            <a:r>
+              <a:rPr lang="zh-CN" altLang="en-US" dirty="0"/>
+              <a:t>伪代码</a:t>
+            </a:r>
+          </a:p>
+        </p:txBody>
+      </p:sp>
+      <p:pic>
+        <p:nvPicPr>
+          <p:cNvPr id="3" name="图片 2"/>
+          <p:cNvPicPr>
+            <a:picLocks noChangeAspect="1"/>
+          </p:cNvPicPr>
+          <p:nvPr/>
+        </p:nvPicPr>
+        <p:blipFill>
+          <a:blip r:embed="rId2"/>
+          <a:stretch>
+            <a:fillRect/>
+          </a:stretch>
+        </p:blipFill>
+        <p:spPr>
+          <a:xfrm>
+            <a:off x="949044" y="1375987"/>
+            <a:ext cx="10378813" cy="4319418"/>
           </a:xfrm>
           <a:prstGeom prst="rect">
             <a:avLst/>

--- a/Reinforcement_Learning/周日讨论班.pptx
+++ b/Reinforcement_Learning/周日讨论班.pptx
@@ -259,7 +259,7 @@
           <a:p>
             <a:fld id="{86381CE1-67E0-431E-81A3-9642A9A14C73}" type="datetimeFigureOut">
               <a:rPr lang="zh-CN" altLang="en-US" smtClean="0"/>
-              <a:t>2021/12/10</a:t>
+              <a:t>2021/12/11</a:t>
             </a:fld>
             <a:endParaRPr lang="zh-CN" altLang="en-US"/>
           </a:p>
@@ -427,7 +427,7 @@
           <a:p>
             <a:fld id="{86381CE1-67E0-431E-81A3-9642A9A14C73}" type="datetimeFigureOut">
               <a:rPr lang="zh-CN" altLang="en-US" smtClean="0"/>
-              <a:t>2021/12/10</a:t>
+              <a:t>2021/12/11</a:t>
             </a:fld>
             <a:endParaRPr lang="zh-CN" altLang="en-US"/>
           </a:p>
@@ -605,7 +605,7 @@
           <a:p>
             <a:fld id="{86381CE1-67E0-431E-81A3-9642A9A14C73}" type="datetimeFigureOut">
               <a:rPr lang="zh-CN" altLang="en-US" smtClean="0"/>
-              <a:t>2021/12/10</a:t>
+              <a:t>2021/12/11</a:t>
             </a:fld>
             <a:endParaRPr lang="zh-CN" altLang="en-US"/>
           </a:p>
@@ -773,7 +773,7 @@
           <a:p>
             <a:fld id="{86381CE1-67E0-431E-81A3-9642A9A14C73}" type="datetimeFigureOut">
               <a:rPr lang="zh-CN" altLang="en-US" smtClean="0"/>
-              <a:t>2021/12/10</a:t>
+              <a:t>2021/12/11</a:t>
             </a:fld>
             <a:endParaRPr lang="zh-CN" altLang="en-US"/>
           </a:p>
@@ -1018,7 +1018,7 @@
           <a:p>
             <a:fld id="{86381CE1-67E0-431E-81A3-9642A9A14C73}" type="datetimeFigureOut">
               <a:rPr lang="zh-CN" altLang="en-US" smtClean="0"/>
-              <a:t>2021/12/10</a:t>
+              <a:t>2021/12/11</a:t>
             </a:fld>
             <a:endParaRPr lang="zh-CN" altLang="en-US"/>
           </a:p>
@@ -1247,7 +1247,7 @@
           <a:p>
             <a:fld id="{86381CE1-67E0-431E-81A3-9642A9A14C73}" type="datetimeFigureOut">
               <a:rPr lang="zh-CN" altLang="en-US" smtClean="0"/>
-              <a:t>2021/12/10</a:t>
+              <a:t>2021/12/11</a:t>
             </a:fld>
             <a:endParaRPr lang="zh-CN" altLang="en-US"/>
           </a:p>
@@ -1611,7 +1611,7 @@
           <a:p>
             <a:fld id="{86381CE1-67E0-431E-81A3-9642A9A14C73}" type="datetimeFigureOut">
               <a:rPr lang="zh-CN" altLang="en-US" smtClean="0"/>
-              <a:t>2021/12/10</a:t>
+              <a:t>2021/12/11</a:t>
             </a:fld>
             <a:endParaRPr lang="zh-CN" altLang="en-US"/>
           </a:p>
@@ -1728,7 +1728,7 @@
           <a:p>
             <a:fld id="{86381CE1-67E0-431E-81A3-9642A9A14C73}" type="datetimeFigureOut">
               <a:rPr lang="zh-CN" altLang="en-US" smtClean="0"/>
-              <a:t>2021/12/10</a:t>
+              <a:t>2021/12/11</a:t>
             </a:fld>
             <a:endParaRPr lang="zh-CN" altLang="en-US"/>
           </a:p>
@@ -1823,7 +1823,7 @@
           <a:p>
             <a:fld id="{86381CE1-67E0-431E-81A3-9642A9A14C73}" type="datetimeFigureOut">
               <a:rPr lang="zh-CN" altLang="en-US" smtClean="0"/>
-              <a:t>2021/12/10</a:t>
+              <a:t>2021/12/11</a:t>
             </a:fld>
             <a:endParaRPr lang="zh-CN" altLang="en-US"/>
           </a:p>
@@ -2098,7 +2098,7 @@
           <a:p>
             <a:fld id="{86381CE1-67E0-431E-81A3-9642A9A14C73}" type="datetimeFigureOut">
               <a:rPr lang="zh-CN" altLang="en-US" smtClean="0"/>
-              <a:t>2021/12/10</a:t>
+              <a:t>2021/12/11</a:t>
             </a:fld>
             <a:endParaRPr lang="zh-CN" altLang="en-US"/>
           </a:p>
@@ -2350,7 +2350,7 @@
           <a:p>
             <a:fld id="{86381CE1-67E0-431E-81A3-9642A9A14C73}" type="datetimeFigureOut">
               <a:rPr lang="zh-CN" altLang="en-US" smtClean="0"/>
-              <a:t>2021/12/10</a:t>
+              <a:t>2021/12/11</a:t>
             </a:fld>
             <a:endParaRPr lang="zh-CN" altLang="en-US"/>
           </a:p>
@@ -2561,7 +2561,7 @@
           <a:p>
             <a:fld id="{86381CE1-67E0-431E-81A3-9642A9A14C73}" type="datetimeFigureOut">
               <a:rPr lang="zh-CN" altLang="en-US" smtClean="0"/>
-              <a:t>2021/12/10</a:t>
+              <a:t>2021/12/11</a:t>
             </a:fld>
             <a:endParaRPr lang="zh-CN" altLang="en-US"/>
           </a:p>
@@ -3025,13 +3025,13 @@
           <a:lstStyle/>
           <a:p>
             <a:r>
-              <a:rPr lang="en-US" altLang="zh-CN" dirty="0" smtClean="0"/>
+              <a:rPr lang="en-US" altLang="zh-CN" dirty="0"/>
               <a:t>show</a:t>
             </a:r>
           </a:p>
           <a:p>
             <a:r>
-              <a:rPr lang="en-US" altLang="zh-CN" dirty="0" smtClean="0"/>
+              <a:rPr lang="en-US" altLang="zh-CN" dirty="0"/>
               <a:t>Q_Learning_demo4</a:t>
             </a:r>
           </a:p>
@@ -3240,7 +3240,7 @@
           <a:p>
             <a:pPr algn="ctr"/>
             <a:r>
-              <a:rPr lang="en-US" altLang="zh-CN" sz="5400" b="0" cap="none" spc="0" dirty="0" smtClean="0">
+              <a:rPr lang="en-US" altLang="zh-CN" sz="5400" b="0" cap="none" spc="0" dirty="0">
                 <a:ln w="0"/>
                 <a:solidFill>
                   <a:schemeClr val="tx1"/>
@@ -3319,7 +3319,7 @@
           <a:p>
             <a:pPr algn="ctr"/>
             <a:r>
-              <a:rPr lang="en-US" altLang="zh-CN" sz="5400" b="0" cap="none" spc="0" dirty="0" smtClean="0">
+              <a:rPr lang="en-US" altLang="zh-CN" sz="5400" b="0" cap="none" spc="0" dirty="0">
                 <a:ln w="0"/>
                 <a:solidFill>
                   <a:schemeClr val="tx1"/>
@@ -3590,7 +3590,7 @@
           <a:p>
             <a:pPr algn="ctr"/>
             <a:r>
-              <a:rPr lang="en-US" altLang="zh-CN" sz="5400" b="0" cap="none" spc="0" dirty="0" smtClean="0">
+              <a:rPr lang="en-US" altLang="zh-CN" sz="5400" b="0" cap="none" spc="0" dirty="0">
                 <a:ln w="0"/>
                 <a:solidFill>
                   <a:schemeClr val="tx1"/>
@@ -3721,7 +3721,7 @@
           <a:p>
             <a:pPr algn="ctr"/>
             <a:r>
-              <a:rPr lang="en-US" altLang="zh-CN" sz="5400" b="0" cap="none" spc="0" dirty="0" smtClean="0">
+              <a:rPr lang="en-US" altLang="zh-CN" sz="5400" b="0" cap="none" spc="0" dirty="0">
                 <a:ln w="0"/>
                 <a:solidFill>
                   <a:schemeClr val="tx1"/>
@@ -3852,7 +3852,7 @@
           <a:p>
             <a:pPr algn="ctr"/>
             <a:r>
-              <a:rPr lang="en-US" altLang="zh-CN" sz="5400" b="0" cap="none" spc="0" dirty="0" smtClean="0">
+              <a:rPr lang="en-US" altLang="zh-CN" sz="5400" b="0" cap="none" spc="0" dirty="0">
                 <a:ln w="0"/>
                 <a:solidFill>
                   <a:schemeClr val="tx1"/>
@@ -3983,7 +3983,7 @@
           <a:p>
             <a:pPr algn="ctr"/>
             <a:r>
-              <a:rPr lang="en-US" altLang="zh-CN" sz="5400" b="0" cap="none" spc="0" dirty="0" smtClean="0">
+              <a:rPr lang="en-US" altLang="zh-CN" sz="5400" b="0" cap="none" spc="0" dirty="0">
                 <a:ln w="0"/>
                 <a:solidFill>
                   <a:schemeClr val="tx1"/>
@@ -4089,10 +4089,9 @@
           <a:lstStyle/>
           <a:p>
             <a:r>
-              <a:rPr lang="zh-CN" altLang="en-US" dirty="0" smtClean="0"/>
+              <a:rPr lang="zh-CN" altLang="en-US" dirty="0"/>
               <a:t>普通中学</a:t>
             </a:r>
-            <a:endParaRPr lang="zh-CN" altLang="en-US" dirty="0"/>
           </a:p>
         </p:txBody>
       </p:sp>
@@ -4119,10 +4118,9 @@
           <a:lstStyle/>
           <a:p>
             <a:r>
-              <a:rPr lang="zh-CN" altLang="en-US" dirty="0" smtClean="0"/>
+              <a:rPr lang="zh-CN" altLang="en-US" dirty="0"/>
               <a:t>重点中学</a:t>
             </a:r>
-            <a:endParaRPr lang="zh-CN" altLang="en-US" dirty="0"/>
           </a:p>
         </p:txBody>
       </p:sp>
@@ -4232,7 +4230,7 @@
           <a:p>
             <a:pPr algn="ctr"/>
             <a:r>
-              <a:rPr lang="zh-CN" altLang="en-US" sz="2400" dirty="0" smtClean="0">
+              <a:rPr lang="zh-CN" altLang="en-US" sz="2400" dirty="0">
                 <a:ln w="0"/>
                 <a:effectLst>
                   <a:outerShdw blurRad="38100" dist="19050" dir="2700000" algn="tl" rotWithShape="0">
@@ -4245,7 +4243,7 @@
               <a:t>￥</a:t>
             </a:r>
             <a:r>
-              <a:rPr lang="en-US" altLang="zh-CN" sz="2400" dirty="0" smtClean="0">
+              <a:rPr lang="en-US" altLang="zh-CN" sz="2400" dirty="0">
                 <a:ln w="0"/>
                 <a:effectLst>
                   <a:outerShdw blurRad="38100" dist="19050" dir="2700000" algn="tl" rotWithShape="0">
@@ -4297,7 +4295,7 @@
           <a:p>
             <a:pPr algn="ctr"/>
             <a:r>
-              <a:rPr lang="zh-CN" altLang="en-US" sz="2400" dirty="0" smtClean="0">
+              <a:rPr lang="zh-CN" altLang="en-US" sz="2400" dirty="0">
                 <a:ln w="0"/>
                 <a:effectLst>
                   <a:outerShdw blurRad="38100" dist="19050" dir="2700000" algn="tl" rotWithShape="0">
@@ -4310,7 +4308,7 @@
               <a:t>￥</a:t>
             </a:r>
             <a:r>
-              <a:rPr lang="en-US" altLang="zh-CN" sz="2400" dirty="0" smtClean="0">
+              <a:rPr lang="en-US" altLang="zh-CN" sz="2400" dirty="0">
                 <a:ln w="0"/>
                 <a:effectLst>
                   <a:outerShdw blurRad="38100" dist="19050" dir="2700000" algn="tl" rotWithShape="0">
@@ -4403,7 +4401,7 @@
           <a:p>
             <a:pPr algn="ctr"/>
             <a:r>
-              <a:rPr lang="zh-CN" altLang="en-US" sz="2400" dirty="0" smtClean="0">
+              <a:rPr lang="zh-CN" altLang="en-US" sz="2400" dirty="0">
                 <a:ln w="0"/>
                 <a:effectLst>
                   <a:outerShdw blurRad="38100" dist="19050" dir="2700000" algn="tl" rotWithShape="0">
@@ -4416,7 +4414,7 @@
               <a:t>￥</a:t>
             </a:r>
             <a:r>
-              <a:rPr lang="en-US" altLang="zh-CN" sz="2400" dirty="0" smtClean="0">
+              <a:rPr lang="en-US" altLang="zh-CN" sz="2400" dirty="0">
                 <a:ln w="0"/>
                 <a:effectLst>
                   <a:outerShdw blurRad="38100" dist="19050" dir="2700000" algn="tl" rotWithShape="0">
@@ -4509,7 +4507,7 @@
           <a:p>
             <a:pPr algn="ctr"/>
             <a:r>
-              <a:rPr lang="zh-CN" altLang="en-US" sz="2400" dirty="0" smtClean="0">
+              <a:rPr lang="zh-CN" altLang="en-US" sz="2400" dirty="0">
                 <a:ln w="0"/>
                 <a:effectLst>
                   <a:outerShdw blurRad="38100" dist="19050" dir="2700000" algn="tl" rotWithShape="0">
@@ -4522,7 +4520,7 @@
               <a:t>￥</a:t>
             </a:r>
             <a:r>
-              <a:rPr lang="en-US" altLang="zh-CN" sz="2400" dirty="0" smtClean="0">
+              <a:rPr lang="en-US" altLang="zh-CN" sz="2400" dirty="0">
                 <a:ln w="0"/>
                 <a:effectLst>
                   <a:outerShdw blurRad="38100" dist="19050" dir="2700000" algn="tl" rotWithShape="0">
@@ -4688,10 +4686,9 @@
           <a:lstStyle/>
           <a:p>
             <a:r>
-              <a:rPr lang="zh-CN" altLang="en-US" dirty="0" smtClean="0"/>
+              <a:rPr lang="zh-CN" altLang="en-US" dirty="0"/>
               <a:t>马尔科夫性：系统的下一个状态仅与当前状态有关，与之前的状态无关。</a:t>
             </a:r>
-            <a:endParaRPr lang="zh-CN" altLang="en-US" dirty="0"/>
           </a:p>
         </p:txBody>
       </p:sp>
@@ -4718,30 +4715,18 @@
           <a:p>
             <a:r>
               <a:rPr lang="zh-CN" altLang="en-US" dirty="0"/>
-              <a:t>马尔可夫决策过程定义为</a:t>
-            </a:r>
-            <a:r>
-              <a:rPr lang="zh-CN" altLang="en-US" dirty="0" smtClean="0"/>
-              <a:t>：</a:t>
+              <a:t>马尔可夫决策过程定义为：</a:t>
             </a:r>
             <a:r>
               <a:rPr lang="en-US" altLang="zh-CN" dirty="0"/>
               <a:t>&lt;</a:t>
             </a:r>
             <a:r>
-              <a:rPr lang="zh-CN" altLang="en-US" dirty="0" smtClean="0"/>
-              <a:t>S</a:t>
-            </a:r>
-            <a:r>
               <a:rPr lang="zh-CN" altLang="en-US" dirty="0"/>
-              <a:t>, A, P, R, </a:t>
-            </a:r>
-            <a:r>
-              <a:rPr lang="zh-CN" altLang="en-US" dirty="0" smtClean="0"/>
-              <a:t>γ</a:t>
-            </a:r>
-            <a:r>
-              <a:rPr lang="en-US" altLang="zh-CN" dirty="0" smtClean="0"/>
+              <a:t>S, A, P, R, γ</a:t>
+            </a:r>
+            <a:r>
+              <a:rPr lang="en-US" altLang="zh-CN" dirty="0"/>
               <a:t>&gt;</a:t>
             </a:r>
             <a:endParaRPr lang="zh-CN" altLang="en-US" dirty="0"/>
@@ -4752,44 +4737,32 @@
           <a:p>
             <a:r>
               <a:rPr lang="zh-CN" altLang="en-US" dirty="0"/>
-              <a:t>S</a:t>
-            </a:r>
-            <a:r>
-              <a:rPr lang="zh-CN" altLang="en-US" dirty="0" smtClean="0"/>
-              <a:t>：状态</a:t>
-            </a:r>
+              <a:t>S：状态集</a:t>
+            </a:r>
+          </a:p>
+          <a:p>
+            <a:endParaRPr lang="zh-CN" altLang="en-US" dirty="0"/>
+          </a:p>
+          <a:p>
             <a:r>
               <a:rPr lang="zh-CN" altLang="en-US" dirty="0"/>
-              <a:t>集</a:t>
-            </a:r>
-          </a:p>
-          <a:p>
-            <a:endParaRPr lang="zh-CN" altLang="en-US" dirty="0"/>
-          </a:p>
-          <a:p>
-            <a:r>
-              <a:rPr lang="zh-CN" altLang="en-US" dirty="0" smtClean="0"/>
               <a:t>A：</a:t>
             </a:r>
             <a:r>
-              <a:rPr lang="en-US" altLang="zh-CN" dirty="0" smtClean="0"/>
+              <a:rPr lang="en-US" altLang="zh-CN" dirty="0"/>
               <a:t>(</a:t>
             </a:r>
             <a:r>
-              <a:rPr lang="zh-CN" altLang="en-US" dirty="0" smtClean="0"/>
+              <a:rPr lang="zh-CN" altLang="en-US" dirty="0"/>
               <a:t>有限</a:t>
             </a:r>
             <a:r>
-              <a:rPr lang="en-US" altLang="zh-CN" dirty="0" smtClean="0"/>
+              <a:rPr lang="en-US" altLang="zh-CN" dirty="0"/>
               <a:t>)</a:t>
             </a:r>
             <a:r>
-              <a:rPr lang="zh-CN" altLang="en-US" dirty="0" smtClean="0"/>
-              <a:t>动作</a:t>
-            </a:r>
-            <a:r>
               <a:rPr lang="zh-CN" altLang="en-US" dirty="0"/>
-              <a:t>集</a:t>
+              <a:t>动作集</a:t>
             </a:r>
           </a:p>
           <a:p>
@@ -4816,13 +4789,8 @@
           <a:p>
             <a:r>
               <a:rPr lang="zh-CN" altLang="en-US" dirty="0"/>
-              <a:t>γ：折扣</a:t>
-            </a:r>
-            <a:r>
-              <a:rPr lang="zh-CN" altLang="en-US" dirty="0" smtClean="0"/>
-              <a:t>因子</a:t>
-            </a:r>
-            <a:endParaRPr lang="zh-CN" altLang="en-US" dirty="0"/>
+              <a:t>γ：折扣因子</a:t>
+            </a:r>
           </a:p>
         </p:txBody>
       </p:sp>
@@ -4913,6 +4881,57 @@
           </a:p>
         </p:txBody>
       </p:sp>
+      <p:sp>
+        <p:nvSpPr>
+          <p:cNvPr id="6" name="文本框 5">
+            <a:extLst>
+              <a:ext uri="{FF2B5EF4-FFF2-40B4-BE49-F238E27FC236}">
+                <a16:creationId xmlns:a16="http://schemas.microsoft.com/office/drawing/2014/main" id="{DBE06889-BC30-4533-BAD8-90990E3E1A14}"/>
+              </a:ext>
+            </a:extLst>
+          </p:cNvPr>
+          <p:cNvSpPr txBox="1"/>
+          <p:nvPr/>
+        </p:nvSpPr>
+        <p:spPr>
+          <a:xfrm>
+            <a:off x="0" y="6397512"/>
+            <a:ext cx="2736647" cy="369332"/>
+          </a:xfrm>
+          <a:prstGeom prst="rect">
+            <a:avLst/>
+          </a:prstGeom>
+          <a:noFill/>
+        </p:spPr>
+        <p:txBody>
+          <a:bodyPr wrap="none" rtlCol="0">
+            <a:spAutoFit/>
+          </a:bodyPr>
+          <a:lstStyle/>
+          <a:p>
+            <a:r>
+              <a:rPr lang="en-US" altLang="zh-CN" dirty="0"/>
+              <a:t>Q_Learning_demo5</a:t>
+            </a:r>
+            <a:r>
+              <a:rPr lang="zh-CN" altLang="en-US" dirty="0"/>
+              <a:t>、</a:t>
+            </a:r>
+            <a:r>
+              <a:rPr lang="en-US" altLang="zh-CN" dirty="0"/>
+              <a:t>6</a:t>
+            </a:r>
+            <a:r>
+              <a:rPr lang="zh-CN" altLang="en-US" dirty="0"/>
+              <a:t>、</a:t>
+            </a:r>
+            <a:r>
+              <a:rPr lang="en-US" altLang="zh-CN" dirty="0"/>
+              <a:t>7</a:t>
+            </a:r>
+          </a:p>
+        </p:txBody>
+      </p:sp>
     </p:spTree>
     <p:extLst>
       <p:ext uri="{BB962C8B-B14F-4D97-AF65-F5344CB8AC3E}">
@@ -5062,32 +5081,31 @@
           <a:lstStyle/>
           <a:p>
             <a:r>
-              <a:rPr lang="en-US" altLang="zh-CN" dirty="0" smtClean="0"/>
+              <a:rPr lang="en-US" altLang="zh-CN" dirty="0"/>
               <a:t>show</a:t>
             </a:r>
           </a:p>
           <a:p>
             <a:r>
-              <a:rPr lang="en-US" altLang="zh-CN" dirty="0" smtClean="0"/>
+              <a:rPr lang="en-US" altLang="zh-CN" dirty="0"/>
               <a:t>Q_Learning_demo1</a:t>
             </a:r>
             <a:r>
-              <a:rPr lang="zh-CN" altLang="en-US" dirty="0" smtClean="0"/>
+              <a:rPr lang="zh-CN" altLang="en-US" dirty="0"/>
               <a:t>、</a:t>
             </a:r>
             <a:r>
-              <a:rPr lang="en-US" altLang="zh-CN" dirty="0" smtClean="0"/>
+              <a:rPr lang="en-US" altLang="zh-CN" dirty="0"/>
               <a:t>2</a:t>
             </a:r>
             <a:r>
-              <a:rPr lang="zh-CN" altLang="en-US" dirty="0" smtClean="0"/>
+              <a:rPr lang="zh-CN" altLang="en-US" dirty="0"/>
               <a:t>、</a:t>
             </a:r>
             <a:r>
               <a:rPr lang="en-US" altLang="zh-CN" dirty="0"/>
               <a:t>3</a:t>
             </a:r>
-            <a:endParaRPr lang="en-US" altLang="zh-CN" dirty="0" smtClean="0"/>
           </a:p>
         </p:txBody>
       </p:sp>
@@ -5182,6 +5200,41 @@
           </a:prstGeom>
         </p:spPr>
       </p:pic>
+      <p:sp>
+        <p:nvSpPr>
+          <p:cNvPr id="4" name="文本框 3">
+            <a:extLst>
+              <a:ext uri="{FF2B5EF4-FFF2-40B4-BE49-F238E27FC236}">
+                <a16:creationId xmlns:a16="http://schemas.microsoft.com/office/drawing/2014/main" id="{2DAC48DB-4C23-43DD-A92A-1BD94181EDDD}"/>
+              </a:ext>
+            </a:extLst>
+          </p:cNvPr>
+          <p:cNvSpPr txBox="1"/>
+          <p:nvPr/>
+        </p:nvSpPr>
+        <p:spPr>
+          <a:xfrm>
+            <a:off x="0" y="6397512"/>
+            <a:ext cx="1453475" cy="369332"/>
+          </a:xfrm>
+          <a:prstGeom prst="rect">
+            <a:avLst/>
+          </a:prstGeom>
+          <a:noFill/>
+        </p:spPr>
+        <p:txBody>
+          <a:bodyPr wrap="none" rtlCol="0">
+            <a:spAutoFit/>
+          </a:bodyPr>
+          <a:lstStyle/>
+          <a:p>
+            <a:r>
+              <a:rPr lang="en-US" altLang="zh-CN" dirty="0"/>
+              <a:t>Sarsa_demo1</a:t>
+            </a:r>
+          </a:p>
+        </p:txBody>
+      </p:sp>
     </p:spTree>
     <p:extLst>
       <p:ext uri="{BB962C8B-B14F-4D97-AF65-F5344CB8AC3E}">
